--- a/img/pin_map_1.pptx
+++ b/img/pin_map_1.pptx
@@ -5,10 +5,11 @@
     <p:sldMasterId id="2147483648" r:id="rId1"/>
   </p:sldMasterIdLst>
   <p:notesMasterIdLst>
-    <p:notesMasterId r:id="rId3"/>
+    <p:notesMasterId r:id="rId4"/>
   </p:notesMasterIdLst>
   <p:sldIdLst>
     <p:sldId id="256" r:id="rId2"/>
+    <p:sldId id="257" r:id="rId3"/>
   </p:sldIdLst>
   <p:sldSz cx="12192000" cy="6858000"/>
   <p:notesSz cx="6858000" cy="9144000"/>
@@ -209,7 +210,7 @@
           <a:p>
             <a:fld id="{4EB02BDD-3154-492D-BE59-59C507D5296B}" type="datetimeFigureOut">
               <a:rPr lang="zh-CN" altLang="en-US" smtClean="0"/>
-              <a:t>2018/11/13</a:t>
+              <a:t>2018/11/15</a:t>
             </a:fld>
             <a:endParaRPr lang="zh-CN" altLang="en-US"/>
           </a:p>
@@ -709,7 +710,7 @@
           <a:p>
             <a:fld id="{6BAEC7DB-416E-4648-AE31-15D6F0A9A9FB}" type="datetimeFigureOut">
               <a:rPr lang="en-US" smtClean="0"/>
-              <a:t>11/13/2018</a:t>
+              <a:t>11/15/2018</a:t>
             </a:fld>
             <a:endParaRPr lang="en-US"/>
           </a:p>
@@ -909,7 +910,7 @@
           <a:p>
             <a:fld id="{6BAEC7DB-416E-4648-AE31-15D6F0A9A9FB}" type="datetimeFigureOut">
               <a:rPr lang="en-US" smtClean="0"/>
-              <a:t>11/13/2018</a:t>
+              <a:t>11/15/2018</a:t>
             </a:fld>
             <a:endParaRPr lang="en-US"/>
           </a:p>
@@ -1119,7 +1120,7 @@
           <a:p>
             <a:fld id="{6BAEC7DB-416E-4648-AE31-15D6F0A9A9FB}" type="datetimeFigureOut">
               <a:rPr lang="en-US" smtClean="0"/>
-              <a:t>11/13/2018</a:t>
+              <a:t>11/15/2018</a:t>
             </a:fld>
             <a:endParaRPr lang="en-US"/>
           </a:p>
@@ -1319,7 +1320,7 @@
           <a:p>
             <a:fld id="{6BAEC7DB-416E-4648-AE31-15D6F0A9A9FB}" type="datetimeFigureOut">
               <a:rPr lang="en-US" smtClean="0"/>
-              <a:t>11/13/2018</a:t>
+              <a:t>11/15/2018</a:t>
             </a:fld>
             <a:endParaRPr lang="en-US"/>
           </a:p>
@@ -1595,7 +1596,7 @@
           <a:p>
             <a:fld id="{6BAEC7DB-416E-4648-AE31-15D6F0A9A9FB}" type="datetimeFigureOut">
               <a:rPr lang="en-US" smtClean="0"/>
-              <a:t>11/13/2018</a:t>
+              <a:t>11/15/2018</a:t>
             </a:fld>
             <a:endParaRPr lang="en-US"/>
           </a:p>
@@ -1863,7 +1864,7 @@
           <a:p>
             <a:fld id="{6BAEC7DB-416E-4648-AE31-15D6F0A9A9FB}" type="datetimeFigureOut">
               <a:rPr lang="en-US" smtClean="0"/>
-              <a:t>11/13/2018</a:t>
+              <a:t>11/15/2018</a:t>
             </a:fld>
             <a:endParaRPr lang="en-US"/>
           </a:p>
@@ -2278,7 +2279,7 @@
           <a:p>
             <a:fld id="{6BAEC7DB-416E-4648-AE31-15D6F0A9A9FB}" type="datetimeFigureOut">
               <a:rPr lang="en-US" smtClean="0"/>
-              <a:t>11/13/2018</a:t>
+              <a:t>11/15/2018</a:t>
             </a:fld>
             <a:endParaRPr lang="en-US"/>
           </a:p>
@@ -2420,7 +2421,7 @@
           <a:p>
             <a:fld id="{6BAEC7DB-416E-4648-AE31-15D6F0A9A9FB}" type="datetimeFigureOut">
               <a:rPr lang="en-US" smtClean="0"/>
-              <a:t>11/13/2018</a:t>
+              <a:t>11/15/2018</a:t>
             </a:fld>
             <a:endParaRPr lang="en-US"/>
           </a:p>
@@ -2533,7 +2534,7 @@
           <a:p>
             <a:fld id="{6BAEC7DB-416E-4648-AE31-15D6F0A9A9FB}" type="datetimeFigureOut">
               <a:rPr lang="en-US" smtClean="0"/>
-              <a:t>11/13/2018</a:t>
+              <a:t>11/15/2018</a:t>
             </a:fld>
             <a:endParaRPr lang="en-US"/>
           </a:p>
@@ -2846,7 +2847,7 @@
           <a:p>
             <a:fld id="{6BAEC7DB-416E-4648-AE31-15D6F0A9A9FB}" type="datetimeFigureOut">
               <a:rPr lang="en-US" smtClean="0"/>
-              <a:t>11/13/2018</a:t>
+              <a:t>11/15/2018</a:t>
             </a:fld>
             <a:endParaRPr lang="en-US"/>
           </a:p>
@@ -3135,7 +3136,7 @@
           <a:p>
             <a:fld id="{6BAEC7DB-416E-4648-AE31-15D6F0A9A9FB}" type="datetimeFigureOut">
               <a:rPr lang="en-US" smtClean="0"/>
-              <a:t>11/13/2018</a:t>
+              <a:t>11/15/2018</a:t>
             </a:fld>
             <a:endParaRPr lang="en-US"/>
           </a:p>
@@ -3378,7 +3379,7 @@
           <a:p>
             <a:fld id="{6BAEC7DB-416E-4648-AE31-15D6F0A9A9FB}" type="datetimeFigureOut">
               <a:rPr lang="en-US" smtClean="0"/>
-              <a:t>11/13/2018</a:t>
+              <a:t>11/15/2018</a:t>
             </a:fld>
             <a:endParaRPr lang="en-US"/>
           </a:p>
@@ -3823,7 +3824,7 @@
         </p:blipFill>
         <p:spPr>
           <a:xfrm>
-            <a:off x="2838611" y="-387276"/>
+            <a:off x="2705991" y="-396071"/>
             <a:ext cx="6656832" cy="4992624"/>
           </a:xfrm>
           <a:prstGeom prst="rect">
@@ -3831,6 +3832,844 @@
           </a:prstGeom>
         </p:spPr>
       </p:pic>
+      <p:pic>
+        <p:nvPicPr>
+          <p:cNvPr id="48" name="图片 47">
+            <a:extLst>
+              <a:ext uri="{FF2B5EF4-FFF2-40B4-BE49-F238E27FC236}">
+                <a16:creationId xmlns:a16="http://schemas.microsoft.com/office/drawing/2014/main" id="{6A1EF724-C083-4718-B12B-ADE4CD6E6593}"/>
+              </a:ext>
+            </a:extLst>
+          </p:cNvPr>
+          <p:cNvPicPr>
+            <a:picLocks noChangeAspect="1"/>
+          </p:cNvPicPr>
+          <p:nvPr/>
+        </p:nvPicPr>
+        <p:blipFill>
+          <a:blip r:embed="rId4">
+            <a:extLst>
+              <a:ext uri="{28A0092B-C50C-407E-A947-70E740481C1C}">
+                <a14:useLocalDpi xmlns:a14="http://schemas.microsoft.com/office/drawing/2010/main" val="0"/>
+              </a:ext>
+            </a:extLst>
+          </a:blip>
+          <a:stretch>
+            <a:fillRect/>
+          </a:stretch>
+        </p:blipFill>
+        <p:spPr>
+          <a:xfrm>
+            <a:off x="2282015" y="1186596"/>
+            <a:ext cx="476250" cy="476250"/>
+          </a:xfrm>
+          <a:prstGeom prst="rect">
+            <a:avLst/>
+          </a:prstGeom>
+        </p:spPr>
+      </p:pic>
+      <p:pic>
+        <p:nvPicPr>
+          <p:cNvPr id="51" name="图片 50">
+            <a:extLst>
+              <a:ext uri="{FF2B5EF4-FFF2-40B4-BE49-F238E27FC236}">
+                <a16:creationId xmlns:a16="http://schemas.microsoft.com/office/drawing/2014/main" id="{B4A0FEB6-8C80-4A2D-A4DA-3DD6CF6BF267}"/>
+              </a:ext>
+            </a:extLst>
+          </p:cNvPr>
+          <p:cNvPicPr>
+            <a:picLocks noChangeAspect="1"/>
+          </p:cNvPicPr>
+          <p:nvPr/>
+        </p:nvPicPr>
+        <p:blipFill>
+          <a:blip r:embed="rId5">
+            <a:extLst>
+              <a:ext uri="{28A0092B-C50C-407E-A947-70E740481C1C}">
+                <a14:useLocalDpi xmlns:a14="http://schemas.microsoft.com/office/drawing/2010/main" val="0"/>
+              </a:ext>
+            </a:extLst>
+          </a:blip>
+          <a:stretch>
+            <a:fillRect/>
+          </a:stretch>
+        </p:blipFill>
+        <p:spPr>
+          <a:xfrm>
+            <a:off x="2282015" y="1804298"/>
+            <a:ext cx="476250" cy="476250"/>
+          </a:xfrm>
+          <a:prstGeom prst="rect">
+            <a:avLst/>
+          </a:prstGeom>
+        </p:spPr>
+      </p:pic>
+      <p:pic>
+        <p:nvPicPr>
+          <p:cNvPr id="53" name="图片 52">
+            <a:extLst>
+              <a:ext uri="{FF2B5EF4-FFF2-40B4-BE49-F238E27FC236}">
+                <a16:creationId xmlns:a16="http://schemas.microsoft.com/office/drawing/2014/main" id="{F5F78553-6083-4B94-9258-235169F8D486}"/>
+              </a:ext>
+            </a:extLst>
+          </p:cNvPr>
+          <p:cNvPicPr>
+            <a:picLocks noChangeAspect="1"/>
+          </p:cNvPicPr>
+          <p:nvPr/>
+        </p:nvPicPr>
+        <p:blipFill>
+          <a:blip r:embed="rId6">
+            <a:extLst>
+              <a:ext uri="{28A0092B-C50C-407E-A947-70E740481C1C}">
+                <a14:useLocalDpi xmlns:a14="http://schemas.microsoft.com/office/drawing/2010/main" val="0"/>
+              </a:ext>
+            </a:extLst>
+          </a:blip>
+          <a:stretch>
+            <a:fillRect/>
+          </a:stretch>
+        </p:blipFill>
+        <p:spPr>
+          <a:xfrm>
+            <a:off x="2282015" y="315599"/>
+            <a:ext cx="476250" cy="476250"/>
+          </a:xfrm>
+          <a:prstGeom prst="rect">
+            <a:avLst/>
+          </a:prstGeom>
+        </p:spPr>
+      </p:pic>
+      <p:pic>
+        <p:nvPicPr>
+          <p:cNvPr id="55" name="图片 54">
+            <a:extLst>
+              <a:ext uri="{FF2B5EF4-FFF2-40B4-BE49-F238E27FC236}">
+                <a16:creationId xmlns:a16="http://schemas.microsoft.com/office/drawing/2014/main" id="{78F94C4E-FBEE-4618-B471-EC4E70DB63F7}"/>
+              </a:ext>
+            </a:extLst>
+          </p:cNvPr>
+          <p:cNvPicPr>
+            <a:picLocks noChangeAspect="1"/>
+          </p:cNvPicPr>
+          <p:nvPr/>
+        </p:nvPicPr>
+        <p:blipFill>
+          <a:blip r:embed="rId7">
+            <a:extLst>
+              <a:ext uri="{28A0092B-C50C-407E-A947-70E740481C1C}">
+                <a14:useLocalDpi xmlns:a14="http://schemas.microsoft.com/office/drawing/2010/main" val="0"/>
+              </a:ext>
+            </a:extLst>
+          </a:blip>
+          <a:stretch>
+            <a:fillRect/>
+          </a:stretch>
+        </p:blipFill>
+        <p:spPr>
+          <a:xfrm>
+            <a:off x="2282015" y="749247"/>
+            <a:ext cx="476250" cy="476250"/>
+          </a:xfrm>
+          <a:prstGeom prst="rect">
+            <a:avLst/>
+          </a:prstGeom>
+        </p:spPr>
+      </p:pic>
+      <p:pic>
+        <p:nvPicPr>
+          <p:cNvPr id="63" name="图片 62">
+            <a:extLst>
+              <a:ext uri="{FF2B5EF4-FFF2-40B4-BE49-F238E27FC236}">
+                <a16:creationId xmlns:a16="http://schemas.microsoft.com/office/drawing/2014/main" id="{A383C15E-94CC-4AB9-857B-0F901B5558E8}"/>
+              </a:ext>
+            </a:extLst>
+          </p:cNvPr>
+          <p:cNvPicPr>
+            <a:picLocks noChangeAspect="1"/>
+          </p:cNvPicPr>
+          <p:nvPr/>
+        </p:nvPicPr>
+        <p:blipFill>
+          <a:blip r:embed="rId4">
+            <a:extLst>
+              <a:ext uri="{28A0092B-C50C-407E-A947-70E740481C1C}">
+                <a14:useLocalDpi xmlns:a14="http://schemas.microsoft.com/office/drawing/2010/main" val="0"/>
+              </a:ext>
+            </a:extLst>
+          </a:blip>
+          <a:stretch>
+            <a:fillRect/>
+          </a:stretch>
+        </p:blipFill>
+        <p:spPr>
+          <a:xfrm>
+            <a:off x="1510079" y="5025256"/>
+            <a:ext cx="266700" cy="266700"/>
+          </a:xfrm>
+          <a:prstGeom prst="rect">
+            <a:avLst/>
+          </a:prstGeom>
+        </p:spPr>
+      </p:pic>
+      <p:pic>
+        <p:nvPicPr>
+          <p:cNvPr id="65" name="图片 64">
+            <a:extLst>
+              <a:ext uri="{FF2B5EF4-FFF2-40B4-BE49-F238E27FC236}">
+                <a16:creationId xmlns:a16="http://schemas.microsoft.com/office/drawing/2014/main" id="{F2711110-C802-4745-8C7A-EE197611809A}"/>
+              </a:ext>
+            </a:extLst>
+          </p:cNvPr>
+          <p:cNvPicPr>
+            <a:picLocks noChangeAspect="1"/>
+          </p:cNvPicPr>
+          <p:nvPr/>
+        </p:nvPicPr>
+        <p:blipFill>
+          <a:blip r:embed="rId5">
+            <a:extLst>
+              <a:ext uri="{28A0092B-C50C-407E-A947-70E740481C1C}">
+                <a14:useLocalDpi xmlns:a14="http://schemas.microsoft.com/office/drawing/2010/main" val="0"/>
+              </a:ext>
+            </a:extLst>
+          </a:blip>
+          <a:stretch>
+            <a:fillRect/>
+          </a:stretch>
+        </p:blipFill>
+        <p:spPr>
+          <a:xfrm>
+            <a:off x="1510079" y="5339162"/>
+            <a:ext cx="266700" cy="266700"/>
+          </a:xfrm>
+          <a:prstGeom prst="rect">
+            <a:avLst/>
+          </a:prstGeom>
+        </p:spPr>
+      </p:pic>
+      <p:pic>
+        <p:nvPicPr>
+          <p:cNvPr id="66" name="图片 65">
+            <a:extLst>
+              <a:ext uri="{FF2B5EF4-FFF2-40B4-BE49-F238E27FC236}">
+                <a16:creationId xmlns:a16="http://schemas.microsoft.com/office/drawing/2014/main" id="{6D42253D-4577-468B-9D40-058E91BD3363}"/>
+              </a:ext>
+            </a:extLst>
+          </p:cNvPr>
+          <p:cNvPicPr>
+            <a:picLocks noChangeAspect="1"/>
+          </p:cNvPicPr>
+          <p:nvPr/>
+        </p:nvPicPr>
+        <p:blipFill>
+          <a:blip r:embed="rId6">
+            <a:extLst>
+              <a:ext uri="{28A0092B-C50C-407E-A947-70E740481C1C}">
+                <a14:useLocalDpi xmlns:a14="http://schemas.microsoft.com/office/drawing/2010/main" val="0"/>
+              </a:ext>
+            </a:extLst>
+          </a:blip>
+          <a:stretch>
+            <a:fillRect/>
+          </a:stretch>
+        </p:blipFill>
+        <p:spPr>
+          <a:xfrm>
+            <a:off x="1510079" y="4397444"/>
+            <a:ext cx="266700" cy="266700"/>
+          </a:xfrm>
+          <a:prstGeom prst="rect">
+            <a:avLst/>
+          </a:prstGeom>
+        </p:spPr>
+      </p:pic>
+      <p:pic>
+        <p:nvPicPr>
+          <p:cNvPr id="67" name="图片 66">
+            <a:extLst>
+              <a:ext uri="{FF2B5EF4-FFF2-40B4-BE49-F238E27FC236}">
+                <a16:creationId xmlns:a16="http://schemas.microsoft.com/office/drawing/2014/main" id="{1A425AE3-AA60-415F-BD5E-43BFD600013A}"/>
+              </a:ext>
+            </a:extLst>
+          </p:cNvPr>
+          <p:cNvPicPr>
+            <a:picLocks noChangeAspect="1"/>
+          </p:cNvPicPr>
+          <p:nvPr/>
+        </p:nvPicPr>
+        <p:blipFill>
+          <a:blip r:embed="rId7">
+            <a:extLst>
+              <a:ext uri="{28A0092B-C50C-407E-A947-70E740481C1C}">
+                <a14:useLocalDpi xmlns:a14="http://schemas.microsoft.com/office/drawing/2010/main" val="0"/>
+              </a:ext>
+            </a:extLst>
+          </a:blip>
+          <a:stretch>
+            <a:fillRect/>
+          </a:stretch>
+        </p:blipFill>
+        <p:spPr>
+          <a:xfrm>
+            <a:off x="1510079" y="4711350"/>
+            <a:ext cx="266700" cy="266700"/>
+          </a:xfrm>
+          <a:prstGeom prst="rect">
+            <a:avLst/>
+          </a:prstGeom>
+        </p:spPr>
+      </p:pic>
+      <p:pic>
+        <p:nvPicPr>
+          <p:cNvPr id="111" name="图片 110">
+            <a:extLst>
+              <a:ext uri="{FF2B5EF4-FFF2-40B4-BE49-F238E27FC236}">
+                <a16:creationId xmlns:a16="http://schemas.microsoft.com/office/drawing/2014/main" id="{FCE94641-0F46-4ADC-BD2B-3EF682780A35}"/>
+              </a:ext>
+            </a:extLst>
+          </p:cNvPr>
+          <p:cNvPicPr>
+            <a:picLocks noChangeAspect="1"/>
+          </p:cNvPicPr>
+          <p:nvPr/>
+        </p:nvPicPr>
+        <p:blipFill>
+          <a:blip r:embed="rId8">
+            <a:extLst>
+              <a:ext uri="{28A0092B-C50C-407E-A947-70E740481C1C}">
+                <a14:useLocalDpi xmlns:a14="http://schemas.microsoft.com/office/drawing/2010/main" val="0"/>
+              </a:ext>
+            </a:extLst>
+          </a:blip>
+          <a:stretch>
+            <a:fillRect/>
+          </a:stretch>
+        </p:blipFill>
+        <p:spPr>
+          <a:xfrm>
+            <a:off x="2282015" y="2390204"/>
+            <a:ext cx="476250" cy="476250"/>
+          </a:xfrm>
+          <a:prstGeom prst="rect">
+            <a:avLst/>
+          </a:prstGeom>
+        </p:spPr>
+      </p:pic>
+      <p:pic>
+        <p:nvPicPr>
+          <p:cNvPr id="154" name="图片 153">
+            <a:extLst>
+              <a:ext uri="{FF2B5EF4-FFF2-40B4-BE49-F238E27FC236}">
+                <a16:creationId xmlns:a16="http://schemas.microsoft.com/office/drawing/2014/main" id="{BD705542-8DB5-4D91-BF14-1284ABD1FB55}"/>
+              </a:ext>
+            </a:extLst>
+          </p:cNvPr>
+          <p:cNvPicPr>
+            <a:picLocks noChangeAspect="1"/>
+          </p:cNvPicPr>
+          <p:nvPr/>
+        </p:nvPicPr>
+        <p:blipFill>
+          <a:blip r:embed="rId8">
+            <a:extLst>
+              <a:ext uri="{28A0092B-C50C-407E-A947-70E740481C1C}">
+                <a14:useLocalDpi xmlns:a14="http://schemas.microsoft.com/office/drawing/2010/main" val="0"/>
+              </a:ext>
+            </a:extLst>
+          </a:blip>
+          <a:stretch>
+            <a:fillRect/>
+          </a:stretch>
+        </p:blipFill>
+        <p:spPr>
+          <a:xfrm>
+            <a:off x="1510079" y="5653068"/>
+            <a:ext cx="266700" cy="266700"/>
+          </a:xfrm>
+          <a:prstGeom prst="rect">
+            <a:avLst/>
+          </a:prstGeom>
+        </p:spPr>
+      </p:pic>
+      <p:sp>
+        <p:nvSpPr>
+          <p:cNvPr id="42" name="椭圆 41">
+            <a:extLst>
+              <a:ext uri="{FF2B5EF4-FFF2-40B4-BE49-F238E27FC236}">
+                <a16:creationId xmlns:a16="http://schemas.microsoft.com/office/drawing/2014/main" id="{2E6FA61A-010C-4ACE-B0DF-A8658D11FAE6}"/>
+              </a:ext>
+            </a:extLst>
+          </p:cNvPr>
+          <p:cNvSpPr>
+            <a:spLocks noChangeAspect="1"/>
+          </p:cNvSpPr>
+          <p:nvPr/>
+        </p:nvSpPr>
+        <p:spPr>
+          <a:xfrm>
+            <a:off x="4284983" y="1097422"/>
+            <a:ext cx="103124" cy="103124"/>
+          </a:xfrm>
+          <a:prstGeom prst="ellipse">
+            <a:avLst/>
+          </a:prstGeom>
+          <a:solidFill>
+            <a:srgbClr val="FFC000"/>
+          </a:solidFill>
+          <a:ln w="25400">
+            <a:solidFill>
+              <a:schemeClr val="bg1"/>
+            </a:solidFill>
+          </a:ln>
+        </p:spPr>
+        <p:style>
+          <a:lnRef idx="2">
+            <a:schemeClr val="accent1">
+              <a:shade val="50000"/>
+            </a:schemeClr>
+          </a:lnRef>
+          <a:fillRef idx="1">
+            <a:schemeClr val="accent1"/>
+          </a:fillRef>
+          <a:effectRef idx="0">
+            <a:schemeClr val="accent1"/>
+          </a:effectRef>
+          <a:fontRef idx="minor">
+            <a:schemeClr val="lt1"/>
+          </a:fontRef>
+        </p:style>
+        <p:txBody>
+          <a:bodyPr rtlCol="0" anchor="ctr"/>
+          <a:lstStyle/>
+          <a:p>
+            <a:pPr algn="ctr"/>
+            <a:endParaRPr lang="en-US">
+              <a:cs typeface="+mn-ea"/>
+            </a:endParaRPr>
+          </a:p>
+        </p:txBody>
+      </p:sp>
+      <p:sp>
+        <p:nvSpPr>
+          <p:cNvPr id="43" name="椭圆 42">
+            <a:extLst>
+              <a:ext uri="{FF2B5EF4-FFF2-40B4-BE49-F238E27FC236}">
+                <a16:creationId xmlns:a16="http://schemas.microsoft.com/office/drawing/2014/main" id="{BE399315-0AF8-42EE-8539-09AC75079214}"/>
+              </a:ext>
+            </a:extLst>
+          </p:cNvPr>
+          <p:cNvSpPr>
+            <a:spLocks noChangeAspect="1"/>
+          </p:cNvSpPr>
+          <p:nvPr/>
+        </p:nvSpPr>
+        <p:spPr>
+          <a:xfrm>
+            <a:off x="4284983" y="1384812"/>
+            <a:ext cx="103124" cy="103124"/>
+          </a:xfrm>
+          <a:prstGeom prst="ellipse">
+            <a:avLst/>
+          </a:prstGeom>
+          <a:solidFill>
+            <a:srgbClr val="FFC000"/>
+          </a:solidFill>
+          <a:ln w="25400">
+            <a:solidFill>
+              <a:schemeClr val="bg1"/>
+            </a:solidFill>
+          </a:ln>
+        </p:spPr>
+        <p:style>
+          <a:lnRef idx="2">
+            <a:schemeClr val="accent1">
+              <a:shade val="50000"/>
+            </a:schemeClr>
+          </a:lnRef>
+          <a:fillRef idx="1">
+            <a:schemeClr val="accent1"/>
+          </a:fillRef>
+          <a:effectRef idx="0">
+            <a:schemeClr val="accent1"/>
+          </a:effectRef>
+          <a:fontRef idx="minor">
+            <a:schemeClr val="lt1"/>
+          </a:fontRef>
+        </p:style>
+        <p:txBody>
+          <a:bodyPr rtlCol="0" anchor="ctr"/>
+          <a:lstStyle/>
+          <a:p>
+            <a:pPr algn="ctr"/>
+            <a:endParaRPr lang="en-US">
+              <a:cs typeface="+mn-ea"/>
+            </a:endParaRPr>
+          </a:p>
+        </p:txBody>
+      </p:sp>
+      <p:sp>
+        <p:nvSpPr>
+          <p:cNvPr id="45" name="椭圆 44">
+            <a:extLst>
+              <a:ext uri="{FF2B5EF4-FFF2-40B4-BE49-F238E27FC236}">
+                <a16:creationId xmlns:a16="http://schemas.microsoft.com/office/drawing/2014/main" id="{8F22C2A8-F0B7-4586-AF69-405D81577DF3}"/>
+              </a:ext>
+            </a:extLst>
+          </p:cNvPr>
+          <p:cNvSpPr>
+            <a:spLocks noChangeAspect="1"/>
+          </p:cNvSpPr>
+          <p:nvPr/>
+        </p:nvSpPr>
+        <p:spPr>
+          <a:xfrm>
+            <a:off x="4284983" y="1696172"/>
+            <a:ext cx="103124" cy="103124"/>
+          </a:xfrm>
+          <a:prstGeom prst="ellipse">
+            <a:avLst/>
+          </a:prstGeom>
+          <a:solidFill>
+            <a:srgbClr val="FFC000"/>
+          </a:solidFill>
+          <a:ln w="25400">
+            <a:solidFill>
+              <a:schemeClr val="bg1"/>
+            </a:solidFill>
+          </a:ln>
+        </p:spPr>
+        <p:style>
+          <a:lnRef idx="2">
+            <a:schemeClr val="accent1">
+              <a:shade val="50000"/>
+            </a:schemeClr>
+          </a:lnRef>
+          <a:fillRef idx="1">
+            <a:schemeClr val="accent1"/>
+          </a:fillRef>
+          <a:effectRef idx="0">
+            <a:schemeClr val="accent1"/>
+          </a:effectRef>
+          <a:fontRef idx="minor">
+            <a:schemeClr val="lt1"/>
+          </a:fontRef>
+        </p:style>
+        <p:txBody>
+          <a:bodyPr rtlCol="0" anchor="ctr"/>
+          <a:lstStyle/>
+          <a:p>
+            <a:pPr algn="ctr"/>
+            <a:endParaRPr lang="en-US">
+              <a:cs typeface="+mn-ea"/>
+            </a:endParaRPr>
+          </a:p>
+        </p:txBody>
+      </p:sp>
+      <p:sp>
+        <p:nvSpPr>
+          <p:cNvPr id="46" name="椭圆 45">
+            <a:extLst>
+              <a:ext uri="{FF2B5EF4-FFF2-40B4-BE49-F238E27FC236}">
+                <a16:creationId xmlns:a16="http://schemas.microsoft.com/office/drawing/2014/main" id="{DCABCD7B-4EDD-4475-AFA7-40FA01F45B70}"/>
+              </a:ext>
+            </a:extLst>
+          </p:cNvPr>
+          <p:cNvSpPr>
+            <a:spLocks noChangeAspect="1"/>
+          </p:cNvSpPr>
+          <p:nvPr/>
+        </p:nvSpPr>
+        <p:spPr>
+          <a:xfrm>
+            <a:off x="4284983" y="2002515"/>
+            <a:ext cx="103124" cy="103124"/>
+          </a:xfrm>
+          <a:prstGeom prst="ellipse">
+            <a:avLst/>
+          </a:prstGeom>
+          <a:solidFill>
+            <a:srgbClr val="FFC000"/>
+          </a:solidFill>
+          <a:ln w="25400">
+            <a:solidFill>
+              <a:schemeClr val="bg1"/>
+            </a:solidFill>
+          </a:ln>
+        </p:spPr>
+        <p:style>
+          <a:lnRef idx="2">
+            <a:schemeClr val="accent1">
+              <a:shade val="50000"/>
+            </a:schemeClr>
+          </a:lnRef>
+          <a:fillRef idx="1">
+            <a:schemeClr val="accent1"/>
+          </a:fillRef>
+          <a:effectRef idx="0">
+            <a:schemeClr val="accent1"/>
+          </a:effectRef>
+          <a:fontRef idx="minor">
+            <a:schemeClr val="lt1"/>
+          </a:fontRef>
+        </p:style>
+        <p:txBody>
+          <a:bodyPr rtlCol="0" anchor="ctr"/>
+          <a:lstStyle/>
+          <a:p>
+            <a:pPr algn="ctr"/>
+            <a:endParaRPr lang="en-US">
+              <a:cs typeface="+mn-ea"/>
+            </a:endParaRPr>
+          </a:p>
+        </p:txBody>
+      </p:sp>
+      <p:sp>
+        <p:nvSpPr>
+          <p:cNvPr id="47" name="椭圆 46">
+            <a:extLst>
+              <a:ext uri="{FF2B5EF4-FFF2-40B4-BE49-F238E27FC236}">
+                <a16:creationId xmlns:a16="http://schemas.microsoft.com/office/drawing/2014/main" id="{785C7E14-931A-4FF6-B45F-95B858E02D66}"/>
+              </a:ext>
+            </a:extLst>
+          </p:cNvPr>
+          <p:cNvSpPr>
+            <a:spLocks noChangeAspect="1"/>
+          </p:cNvSpPr>
+          <p:nvPr/>
+        </p:nvSpPr>
+        <p:spPr>
+          <a:xfrm>
+            <a:off x="7558162" y="2007143"/>
+            <a:ext cx="99675" cy="99675"/>
+          </a:xfrm>
+          <a:prstGeom prst="ellipse">
+            <a:avLst/>
+          </a:prstGeom>
+          <a:solidFill>
+            <a:srgbClr val="FFC000"/>
+          </a:solidFill>
+          <a:ln w="25400">
+            <a:solidFill>
+              <a:schemeClr val="bg1"/>
+            </a:solidFill>
+          </a:ln>
+        </p:spPr>
+        <p:style>
+          <a:lnRef idx="2">
+            <a:schemeClr val="accent1">
+              <a:shade val="50000"/>
+            </a:schemeClr>
+          </a:lnRef>
+          <a:fillRef idx="1">
+            <a:schemeClr val="accent1"/>
+          </a:fillRef>
+          <a:effectRef idx="0">
+            <a:schemeClr val="accent1"/>
+          </a:effectRef>
+          <a:fontRef idx="minor">
+            <a:schemeClr val="lt1"/>
+          </a:fontRef>
+        </p:style>
+        <p:txBody>
+          <a:bodyPr rtlCol="0" anchor="ctr"/>
+          <a:lstStyle/>
+          <a:p>
+            <a:pPr algn="ctr"/>
+            <a:endParaRPr lang="en-US">
+              <a:cs typeface="+mn-ea"/>
+            </a:endParaRPr>
+          </a:p>
+        </p:txBody>
+      </p:sp>
+      <p:pic>
+        <p:nvPicPr>
+          <p:cNvPr id="34" name="图片 33">
+            <a:extLst>
+              <a:ext uri="{FF2B5EF4-FFF2-40B4-BE49-F238E27FC236}">
+                <a16:creationId xmlns:a16="http://schemas.microsoft.com/office/drawing/2014/main" id="{D9A44A02-43E7-4FF2-9992-72E6801487B3}"/>
+              </a:ext>
+            </a:extLst>
+          </p:cNvPr>
+          <p:cNvPicPr>
+            <a:picLocks noChangeAspect="1"/>
+          </p:cNvPicPr>
+          <p:nvPr/>
+        </p:nvPicPr>
+        <p:blipFill>
+          <a:blip r:embed="rId9">
+            <a:extLst>
+              <a:ext uri="{28A0092B-C50C-407E-A947-70E740481C1C}">
+                <a14:useLocalDpi xmlns:a14="http://schemas.microsoft.com/office/drawing/2010/main" val="0"/>
+              </a:ext>
+            </a:extLst>
+          </a:blip>
+          <a:stretch>
+            <a:fillRect/>
+          </a:stretch>
+        </p:blipFill>
+        <p:spPr>
+          <a:xfrm>
+            <a:off x="2282015" y="2832498"/>
+            <a:ext cx="472059" cy="472059"/>
+          </a:xfrm>
+          <a:prstGeom prst="rect">
+            <a:avLst/>
+          </a:prstGeom>
+        </p:spPr>
+      </p:pic>
+      <p:pic>
+        <p:nvPicPr>
+          <p:cNvPr id="35" name="图片 34">
+            <a:extLst>
+              <a:ext uri="{FF2B5EF4-FFF2-40B4-BE49-F238E27FC236}">
+                <a16:creationId xmlns:a16="http://schemas.microsoft.com/office/drawing/2014/main" id="{ACA57D86-4D60-4B1C-A5ED-A90A3EFBD072}"/>
+              </a:ext>
+            </a:extLst>
+          </p:cNvPr>
+          <p:cNvPicPr>
+            <a:picLocks noChangeAspect="1"/>
+          </p:cNvPicPr>
+          <p:nvPr/>
+        </p:nvPicPr>
+        <p:blipFill>
+          <a:blip r:embed="rId10">
+            <a:extLst>
+              <a:ext uri="{28A0092B-C50C-407E-A947-70E740481C1C}">
+                <a14:useLocalDpi xmlns:a14="http://schemas.microsoft.com/office/drawing/2010/main" val="0"/>
+              </a:ext>
+            </a:extLst>
+          </a:blip>
+          <a:stretch>
+            <a:fillRect/>
+          </a:stretch>
+        </p:blipFill>
+        <p:spPr>
+          <a:xfrm>
+            <a:off x="2282015" y="3261190"/>
+            <a:ext cx="472059" cy="472059"/>
+          </a:xfrm>
+          <a:prstGeom prst="rect">
+            <a:avLst/>
+          </a:prstGeom>
+        </p:spPr>
+      </p:pic>
+      <p:sp>
+        <p:nvSpPr>
+          <p:cNvPr id="37" name="椭圆 36">
+            <a:extLst>
+              <a:ext uri="{FF2B5EF4-FFF2-40B4-BE49-F238E27FC236}">
+                <a16:creationId xmlns:a16="http://schemas.microsoft.com/office/drawing/2014/main" id="{AD648B94-E808-4620-A143-C9CDCBACCD11}"/>
+              </a:ext>
+            </a:extLst>
+          </p:cNvPr>
+          <p:cNvSpPr>
+            <a:spLocks noChangeAspect="1"/>
+          </p:cNvSpPr>
+          <p:nvPr/>
+        </p:nvSpPr>
+        <p:spPr>
+          <a:xfrm>
+            <a:off x="7558162" y="2297107"/>
+            <a:ext cx="99675" cy="99675"/>
+          </a:xfrm>
+          <a:prstGeom prst="ellipse">
+            <a:avLst/>
+          </a:prstGeom>
+          <a:solidFill>
+            <a:srgbClr val="FFC000"/>
+          </a:solidFill>
+          <a:ln w="25400">
+            <a:solidFill>
+              <a:schemeClr val="bg1"/>
+            </a:solidFill>
+          </a:ln>
+        </p:spPr>
+        <p:style>
+          <a:lnRef idx="2">
+            <a:schemeClr val="accent1">
+              <a:shade val="50000"/>
+            </a:schemeClr>
+          </a:lnRef>
+          <a:fillRef idx="1">
+            <a:schemeClr val="accent1"/>
+          </a:fillRef>
+          <a:effectRef idx="0">
+            <a:schemeClr val="accent1"/>
+          </a:effectRef>
+          <a:fontRef idx="minor">
+            <a:schemeClr val="lt1"/>
+          </a:fontRef>
+        </p:style>
+        <p:txBody>
+          <a:bodyPr rtlCol="0" anchor="ctr"/>
+          <a:lstStyle/>
+          <a:p>
+            <a:pPr algn="ctr"/>
+            <a:endParaRPr lang="en-US">
+              <a:cs typeface="+mn-ea"/>
+            </a:endParaRPr>
+          </a:p>
+        </p:txBody>
+      </p:sp>
+      <p:sp>
+        <p:nvSpPr>
+          <p:cNvPr id="38" name="椭圆 37">
+            <a:extLst>
+              <a:ext uri="{FF2B5EF4-FFF2-40B4-BE49-F238E27FC236}">
+                <a16:creationId xmlns:a16="http://schemas.microsoft.com/office/drawing/2014/main" id="{522C5B35-17A9-4ED9-B1ED-C09B5C30986D}"/>
+              </a:ext>
+            </a:extLst>
+          </p:cNvPr>
+          <p:cNvSpPr>
+            <a:spLocks noChangeAspect="1"/>
+          </p:cNvSpPr>
+          <p:nvPr/>
+        </p:nvSpPr>
+        <p:spPr>
+          <a:xfrm>
+            <a:off x="7558162" y="2587494"/>
+            <a:ext cx="99675" cy="99675"/>
+          </a:xfrm>
+          <a:prstGeom prst="ellipse">
+            <a:avLst/>
+          </a:prstGeom>
+          <a:solidFill>
+            <a:srgbClr val="FFC000"/>
+          </a:solidFill>
+          <a:ln w="25400">
+            <a:solidFill>
+              <a:schemeClr val="bg1"/>
+            </a:solidFill>
+          </a:ln>
+        </p:spPr>
+        <p:style>
+          <a:lnRef idx="2">
+            <a:schemeClr val="accent1">
+              <a:shade val="50000"/>
+            </a:schemeClr>
+          </a:lnRef>
+          <a:fillRef idx="1">
+            <a:schemeClr val="accent1"/>
+          </a:fillRef>
+          <a:effectRef idx="0">
+            <a:schemeClr val="accent1"/>
+          </a:effectRef>
+          <a:fontRef idx="minor">
+            <a:schemeClr val="lt1"/>
+          </a:fontRef>
+        </p:style>
+        <p:txBody>
+          <a:bodyPr rtlCol="0" anchor="ctr"/>
+          <a:lstStyle/>
+          <a:p>
+            <a:pPr algn="ctr"/>
+            <a:endParaRPr lang="en-US">
+              <a:cs typeface="+mn-ea"/>
+            </a:endParaRPr>
+          </a:p>
+        </p:txBody>
+      </p:sp>
       <p:cxnSp>
         <p:nvCxnSpPr>
           <p:cNvPr id="59" name="直接连接符 58">
@@ -3847,8 +4686,8 @@
         </p:nvCxnSpPr>
         <p:spPr>
           <a:xfrm>
-            <a:off x="3121304" y="1147245"/>
-            <a:ext cx="922379" cy="0"/>
+            <a:off x="3341106" y="1137720"/>
+            <a:ext cx="639441" cy="0"/>
           </a:xfrm>
           <a:prstGeom prst="line">
             <a:avLst/>
@@ -3894,9 +4733,9 @@
           <p:nvPr/>
         </p:nvCxnSpPr>
         <p:spPr>
-          <a:xfrm flipV="1">
-            <a:off x="2523351" y="2054077"/>
-            <a:ext cx="1520332" cy="4586"/>
+          <a:xfrm>
+            <a:off x="2829177" y="2044552"/>
+            <a:ext cx="1455806" cy="9525"/>
           </a:xfrm>
           <a:prstGeom prst="line">
             <a:avLst/>
@@ -3943,8 +4782,8 @@
         </p:nvCxnSpPr>
         <p:spPr>
           <a:xfrm flipV="1">
-            <a:off x="3103741" y="1747734"/>
-            <a:ext cx="939942" cy="5356"/>
+            <a:off x="3367032" y="1738209"/>
+            <a:ext cx="651618" cy="5356"/>
           </a:xfrm>
           <a:prstGeom prst="line">
             <a:avLst/>
@@ -3991,8 +4830,8 @@
         </p:nvCxnSpPr>
         <p:spPr>
           <a:xfrm flipV="1">
-            <a:off x="3121304" y="1436374"/>
-            <a:ext cx="922379" cy="16044"/>
+            <a:off x="3379209" y="1426849"/>
+            <a:ext cx="639442" cy="16044"/>
           </a:xfrm>
           <a:prstGeom prst="line">
             <a:avLst/>
@@ -4022,312 +4861,25 @@
           </a:fontRef>
         </p:style>
       </p:cxnSp>
-      <p:pic>
-        <p:nvPicPr>
-          <p:cNvPr id="48" name="图片 47">
-            <a:extLst>
-              <a:ext uri="{FF2B5EF4-FFF2-40B4-BE49-F238E27FC236}">
-                <a16:creationId xmlns:a16="http://schemas.microsoft.com/office/drawing/2014/main" id="{6A1EF724-C083-4718-B12B-ADE4CD6E6593}"/>
-              </a:ext>
-            </a:extLst>
-          </p:cNvPr>
-          <p:cNvPicPr>
-            <a:picLocks noChangeAspect="1"/>
-          </p:cNvPicPr>
-          <p:nvPr/>
-        </p:nvPicPr>
-        <p:blipFill>
-          <a:blip r:embed="rId4">
-            <a:extLst>
-              <a:ext uri="{28A0092B-C50C-407E-A947-70E740481C1C}">
-                <a14:useLocalDpi xmlns:a14="http://schemas.microsoft.com/office/drawing/2010/main" val="0"/>
-              </a:ext>
-            </a:extLst>
-          </a:blip>
-          <a:stretch>
-            <a:fillRect/>
-          </a:stretch>
-        </p:blipFill>
-        <p:spPr>
-          <a:xfrm>
-            <a:off x="2040715" y="1186596"/>
-            <a:ext cx="476250" cy="476250"/>
-          </a:xfrm>
-          <a:prstGeom prst="rect">
-            <a:avLst/>
-          </a:prstGeom>
-        </p:spPr>
-      </p:pic>
-      <p:pic>
-        <p:nvPicPr>
-          <p:cNvPr id="51" name="图片 50">
-            <a:extLst>
-              <a:ext uri="{FF2B5EF4-FFF2-40B4-BE49-F238E27FC236}">
-                <a16:creationId xmlns:a16="http://schemas.microsoft.com/office/drawing/2014/main" id="{B4A0FEB6-8C80-4A2D-A4DA-3DD6CF6BF267}"/>
-              </a:ext>
-            </a:extLst>
-          </p:cNvPr>
-          <p:cNvPicPr>
-            <a:picLocks noChangeAspect="1"/>
-          </p:cNvPicPr>
-          <p:nvPr/>
-        </p:nvPicPr>
-        <p:blipFill>
-          <a:blip r:embed="rId5">
-            <a:extLst>
-              <a:ext uri="{28A0092B-C50C-407E-A947-70E740481C1C}">
-                <a14:useLocalDpi xmlns:a14="http://schemas.microsoft.com/office/drawing/2010/main" val="0"/>
-              </a:ext>
-            </a:extLst>
-          </a:blip>
-          <a:stretch>
-            <a:fillRect/>
-          </a:stretch>
-        </p:blipFill>
-        <p:spPr>
-          <a:xfrm>
-            <a:off x="2040715" y="1804298"/>
-            <a:ext cx="476250" cy="476250"/>
-          </a:xfrm>
-          <a:prstGeom prst="rect">
-            <a:avLst/>
-          </a:prstGeom>
-        </p:spPr>
-      </p:pic>
-      <p:pic>
-        <p:nvPicPr>
-          <p:cNvPr id="53" name="图片 52">
-            <a:extLst>
-              <a:ext uri="{FF2B5EF4-FFF2-40B4-BE49-F238E27FC236}">
-                <a16:creationId xmlns:a16="http://schemas.microsoft.com/office/drawing/2014/main" id="{F5F78553-6083-4B94-9258-235169F8D486}"/>
-              </a:ext>
-            </a:extLst>
-          </p:cNvPr>
-          <p:cNvPicPr>
-            <a:picLocks noChangeAspect="1"/>
-          </p:cNvPicPr>
-          <p:nvPr/>
-        </p:nvPicPr>
-        <p:blipFill>
-          <a:blip r:embed="rId6">
-            <a:extLst>
-              <a:ext uri="{28A0092B-C50C-407E-A947-70E740481C1C}">
-                <a14:useLocalDpi xmlns:a14="http://schemas.microsoft.com/office/drawing/2010/main" val="0"/>
-              </a:ext>
-            </a:extLst>
-          </a:blip>
-          <a:stretch>
-            <a:fillRect/>
-          </a:stretch>
-        </p:blipFill>
-        <p:spPr>
-          <a:xfrm>
-            <a:off x="2040715" y="315599"/>
-            <a:ext cx="476250" cy="476250"/>
-          </a:xfrm>
-          <a:prstGeom prst="rect">
-            <a:avLst/>
-          </a:prstGeom>
-        </p:spPr>
-      </p:pic>
-      <p:pic>
-        <p:nvPicPr>
-          <p:cNvPr id="55" name="图片 54">
-            <a:extLst>
-              <a:ext uri="{FF2B5EF4-FFF2-40B4-BE49-F238E27FC236}">
-                <a16:creationId xmlns:a16="http://schemas.microsoft.com/office/drawing/2014/main" id="{78F94C4E-FBEE-4618-B471-EC4E70DB63F7}"/>
-              </a:ext>
-            </a:extLst>
-          </p:cNvPr>
-          <p:cNvPicPr>
-            <a:picLocks noChangeAspect="1"/>
-          </p:cNvPicPr>
-          <p:nvPr/>
-        </p:nvPicPr>
-        <p:blipFill>
-          <a:blip r:embed="rId7">
-            <a:extLst>
-              <a:ext uri="{28A0092B-C50C-407E-A947-70E740481C1C}">
-                <a14:useLocalDpi xmlns:a14="http://schemas.microsoft.com/office/drawing/2010/main" val="0"/>
-              </a:ext>
-            </a:extLst>
-          </a:blip>
-          <a:stretch>
-            <a:fillRect/>
-          </a:stretch>
-        </p:blipFill>
-        <p:spPr>
-          <a:xfrm>
-            <a:off x="2040715" y="749247"/>
-            <a:ext cx="476250" cy="476250"/>
-          </a:xfrm>
-          <a:prstGeom prst="rect">
-            <a:avLst/>
-          </a:prstGeom>
-        </p:spPr>
-      </p:pic>
-      <p:pic>
-        <p:nvPicPr>
-          <p:cNvPr id="63" name="图片 62">
-            <a:extLst>
-              <a:ext uri="{FF2B5EF4-FFF2-40B4-BE49-F238E27FC236}">
-                <a16:creationId xmlns:a16="http://schemas.microsoft.com/office/drawing/2014/main" id="{A383C15E-94CC-4AB9-857B-0F901B5558E8}"/>
-              </a:ext>
-            </a:extLst>
-          </p:cNvPr>
-          <p:cNvPicPr>
-            <a:picLocks noChangeAspect="1"/>
-          </p:cNvPicPr>
-          <p:nvPr/>
-        </p:nvPicPr>
-        <p:blipFill>
-          <a:blip r:embed="rId4">
-            <a:extLst>
-              <a:ext uri="{28A0092B-C50C-407E-A947-70E740481C1C}">
-                <a14:useLocalDpi xmlns:a14="http://schemas.microsoft.com/office/drawing/2010/main" val="0"/>
-              </a:ext>
-            </a:extLst>
-          </a:blip>
-          <a:stretch>
-            <a:fillRect/>
-          </a:stretch>
-        </p:blipFill>
-        <p:spPr>
-          <a:xfrm>
-            <a:off x="1510079" y="5025256"/>
-            <a:ext cx="266700" cy="266700"/>
-          </a:xfrm>
-          <a:prstGeom prst="rect">
-            <a:avLst/>
-          </a:prstGeom>
-        </p:spPr>
-      </p:pic>
-      <p:pic>
-        <p:nvPicPr>
-          <p:cNvPr id="65" name="图片 64">
-            <a:extLst>
-              <a:ext uri="{FF2B5EF4-FFF2-40B4-BE49-F238E27FC236}">
-                <a16:creationId xmlns:a16="http://schemas.microsoft.com/office/drawing/2014/main" id="{F2711110-C802-4745-8C7A-EE197611809A}"/>
-              </a:ext>
-            </a:extLst>
-          </p:cNvPr>
-          <p:cNvPicPr>
-            <a:picLocks noChangeAspect="1"/>
-          </p:cNvPicPr>
-          <p:nvPr/>
-        </p:nvPicPr>
-        <p:blipFill>
-          <a:blip r:embed="rId5">
-            <a:extLst>
-              <a:ext uri="{28A0092B-C50C-407E-A947-70E740481C1C}">
-                <a14:useLocalDpi xmlns:a14="http://schemas.microsoft.com/office/drawing/2010/main" val="0"/>
-              </a:ext>
-            </a:extLst>
-          </a:blip>
-          <a:stretch>
-            <a:fillRect/>
-          </a:stretch>
-        </p:blipFill>
-        <p:spPr>
-          <a:xfrm>
-            <a:off x="1510079" y="5339162"/>
-            <a:ext cx="266700" cy="266700"/>
-          </a:xfrm>
-          <a:prstGeom prst="rect">
-            <a:avLst/>
-          </a:prstGeom>
-        </p:spPr>
-      </p:pic>
-      <p:pic>
-        <p:nvPicPr>
-          <p:cNvPr id="66" name="图片 65">
-            <a:extLst>
-              <a:ext uri="{FF2B5EF4-FFF2-40B4-BE49-F238E27FC236}">
-                <a16:creationId xmlns:a16="http://schemas.microsoft.com/office/drawing/2014/main" id="{6D42253D-4577-468B-9D40-058E91BD3363}"/>
-              </a:ext>
-            </a:extLst>
-          </p:cNvPr>
-          <p:cNvPicPr>
-            <a:picLocks noChangeAspect="1"/>
-          </p:cNvPicPr>
-          <p:nvPr/>
-        </p:nvPicPr>
-        <p:blipFill>
-          <a:blip r:embed="rId6">
-            <a:extLst>
-              <a:ext uri="{28A0092B-C50C-407E-A947-70E740481C1C}">
-                <a14:useLocalDpi xmlns:a14="http://schemas.microsoft.com/office/drawing/2010/main" val="0"/>
-              </a:ext>
-            </a:extLst>
-          </a:blip>
-          <a:stretch>
-            <a:fillRect/>
-          </a:stretch>
-        </p:blipFill>
-        <p:spPr>
-          <a:xfrm>
-            <a:off x="1510079" y="4397444"/>
-            <a:ext cx="266700" cy="266700"/>
-          </a:xfrm>
-          <a:prstGeom prst="rect">
-            <a:avLst/>
-          </a:prstGeom>
-        </p:spPr>
-      </p:pic>
-      <p:pic>
-        <p:nvPicPr>
-          <p:cNvPr id="67" name="图片 66">
-            <a:extLst>
-              <a:ext uri="{FF2B5EF4-FFF2-40B4-BE49-F238E27FC236}">
-                <a16:creationId xmlns:a16="http://schemas.microsoft.com/office/drawing/2014/main" id="{1A425AE3-AA60-415F-BD5E-43BFD600013A}"/>
-              </a:ext>
-            </a:extLst>
-          </p:cNvPr>
-          <p:cNvPicPr>
-            <a:picLocks noChangeAspect="1"/>
-          </p:cNvPicPr>
-          <p:nvPr/>
-        </p:nvPicPr>
-        <p:blipFill>
-          <a:blip r:embed="rId7">
-            <a:extLst>
-              <a:ext uri="{28A0092B-C50C-407E-A947-70E740481C1C}">
-                <a14:useLocalDpi xmlns:a14="http://schemas.microsoft.com/office/drawing/2010/main" val="0"/>
-              </a:ext>
-            </a:extLst>
-          </a:blip>
-          <a:stretch>
-            <a:fillRect/>
-          </a:stretch>
-        </p:blipFill>
-        <p:spPr>
-          <a:xfrm>
-            <a:off x="1510079" y="4711350"/>
-            <a:ext cx="266700" cy="266700"/>
-          </a:xfrm>
-          <a:prstGeom prst="rect">
-            <a:avLst/>
-          </a:prstGeom>
-        </p:spPr>
-      </p:pic>
       <p:cxnSp>
         <p:nvCxnSpPr>
-          <p:cNvPr id="32" name="直接连接符 31">
-            <a:extLst>
-              <a:ext uri="{FF2B5EF4-FFF2-40B4-BE49-F238E27FC236}">
-                <a16:creationId xmlns:a16="http://schemas.microsoft.com/office/drawing/2014/main" id="{95FC7C4F-CB11-4574-8B6A-BC22CC9FAD82}"/>
+          <p:cNvPr id="39" name="直接连接符 38">
+            <a:extLst>
+              <a:ext uri="{FF2B5EF4-FFF2-40B4-BE49-F238E27FC236}">
+                <a16:creationId xmlns:a16="http://schemas.microsoft.com/office/drawing/2014/main" id="{29A692AE-BD86-4A14-B492-5770A09BC3DC}"/>
               </a:ext>
             </a:extLst>
           </p:cNvPr>
           <p:cNvCxnSpPr>
             <a:cxnSpLocks/>
+            <a:endCxn id="52" idx="2"/>
           </p:cNvCxnSpPr>
           <p:nvPr/>
         </p:nvCxnSpPr>
         <p:spPr>
-          <a:xfrm>
-            <a:off x="7945512" y="2056981"/>
-            <a:ext cx="1824089" cy="0"/>
+          <a:xfrm flipV="1">
+            <a:off x="3379208" y="2927947"/>
+            <a:ext cx="639442" cy="4586"/>
           </a:xfrm>
           <a:prstGeom prst="line">
             <a:avLst/>
@@ -4357,84 +4909,108 @@
           </a:fontRef>
         </p:style>
       </p:cxnSp>
-      <p:pic>
-        <p:nvPicPr>
-          <p:cNvPr id="111" name="图片 110">
-            <a:extLst>
-              <a:ext uri="{FF2B5EF4-FFF2-40B4-BE49-F238E27FC236}">
-                <a16:creationId xmlns:a16="http://schemas.microsoft.com/office/drawing/2014/main" id="{FCE94641-0F46-4ADC-BD2B-3EF682780A35}"/>
-              </a:ext>
-            </a:extLst>
-          </p:cNvPr>
-          <p:cNvPicPr>
-            <a:picLocks noChangeAspect="1"/>
-          </p:cNvPicPr>
+      <p:cxnSp>
+        <p:nvCxnSpPr>
+          <p:cNvPr id="40" name="直接连接符 39">
+            <a:extLst>
+              <a:ext uri="{FF2B5EF4-FFF2-40B4-BE49-F238E27FC236}">
+                <a16:creationId xmlns:a16="http://schemas.microsoft.com/office/drawing/2014/main" id="{85BC671D-7984-404A-B1D6-DE10B6A49901}"/>
+              </a:ext>
+            </a:extLst>
+          </p:cNvPr>
+          <p:cNvCxnSpPr>
+            <a:cxnSpLocks/>
+            <a:endCxn id="50" idx="2"/>
+          </p:cNvCxnSpPr>
           <p:nvPr/>
-        </p:nvPicPr>
-        <p:blipFill>
-          <a:blip r:embed="rId8">
-            <a:extLst>
-              <a:ext uri="{28A0092B-C50C-407E-A947-70E740481C1C}">
-                <a14:useLocalDpi xmlns:a14="http://schemas.microsoft.com/office/drawing/2010/main" val="0"/>
-              </a:ext>
-            </a:extLst>
-          </a:blip>
-          <a:stretch>
-            <a:fillRect/>
-          </a:stretch>
-        </p:blipFill>
-        <p:spPr>
-          <a:xfrm>
-            <a:off x="2040715" y="2390204"/>
-            <a:ext cx="476250" cy="476250"/>
-          </a:xfrm>
-          <a:prstGeom prst="rect">
+        </p:nvCxnSpPr>
+        <p:spPr>
+          <a:xfrm flipV="1">
+            <a:off x="3379208" y="2612895"/>
+            <a:ext cx="639442" cy="5356"/>
+          </a:xfrm>
+          <a:prstGeom prst="line">
             <a:avLst/>
           </a:prstGeom>
-        </p:spPr>
-      </p:pic>
-      <p:pic>
-        <p:nvPicPr>
-          <p:cNvPr id="154" name="图片 153">
-            <a:extLst>
-              <a:ext uri="{FF2B5EF4-FFF2-40B4-BE49-F238E27FC236}">
-                <a16:creationId xmlns:a16="http://schemas.microsoft.com/office/drawing/2014/main" id="{BD705542-8DB5-4D91-BF14-1284ABD1FB55}"/>
-              </a:ext>
-            </a:extLst>
-          </p:cNvPr>
-          <p:cNvPicPr>
-            <a:picLocks noChangeAspect="1"/>
-          </p:cNvPicPr>
+          <a:ln w="19050" cap="flat" cmpd="sng" algn="ctr">
+            <a:solidFill>
+              <a:schemeClr val="accent3"/>
+            </a:solidFill>
+            <a:prstDash val="dash"/>
+            <a:round/>
+            <a:headEnd type="none" w="med" len="med"/>
+            <a:tailEnd type="none" w="med" len="med"/>
+          </a:ln>
+        </p:spPr>
+        <p:style>
+          <a:lnRef idx="0">
+            <a:scrgbClr r="0" g="0" b="0"/>
+          </a:lnRef>
+          <a:fillRef idx="0">
+            <a:scrgbClr r="0" g="0" b="0"/>
+          </a:fillRef>
+          <a:effectRef idx="0">
+            <a:scrgbClr r="0" g="0" b="0"/>
+          </a:effectRef>
+          <a:fontRef idx="minor">
+            <a:schemeClr val="tx1"/>
+          </a:fontRef>
+        </p:style>
+      </p:cxnSp>
+      <p:cxnSp>
+        <p:nvCxnSpPr>
+          <p:cNvPr id="41" name="直接连接符 40">
+            <a:extLst>
+              <a:ext uri="{FF2B5EF4-FFF2-40B4-BE49-F238E27FC236}">
+                <a16:creationId xmlns:a16="http://schemas.microsoft.com/office/drawing/2014/main" id="{4C57FF8F-8234-41D7-87E8-FB2CD5220D85}"/>
+              </a:ext>
+            </a:extLst>
+          </p:cNvPr>
+          <p:cNvCxnSpPr>
+            <a:cxnSpLocks/>
+            <a:endCxn id="49" idx="2"/>
+          </p:cNvCxnSpPr>
           <p:nvPr/>
-        </p:nvPicPr>
-        <p:blipFill>
-          <a:blip r:embed="rId8">
-            <a:extLst>
-              <a:ext uri="{28A0092B-C50C-407E-A947-70E740481C1C}">
-                <a14:useLocalDpi xmlns:a14="http://schemas.microsoft.com/office/drawing/2010/main" val="0"/>
-              </a:ext>
-            </a:extLst>
-          </a:blip>
-          <a:stretch>
-            <a:fillRect/>
-          </a:stretch>
-        </p:blipFill>
-        <p:spPr>
-          <a:xfrm>
-            <a:off x="1510079" y="5653068"/>
-            <a:ext cx="266700" cy="266700"/>
-          </a:xfrm>
-          <a:prstGeom prst="rect">
+        </p:nvCxnSpPr>
+        <p:spPr>
+          <a:xfrm flipV="1">
+            <a:off x="3367033" y="2301535"/>
+            <a:ext cx="651615" cy="16044"/>
+          </a:xfrm>
+          <a:prstGeom prst="line">
             <a:avLst/>
           </a:prstGeom>
-        </p:spPr>
-      </p:pic>
-      <p:sp>
-        <p:nvSpPr>
-          <p:cNvPr id="42" name="椭圆 41">
-            <a:extLst>
-              <a:ext uri="{FF2B5EF4-FFF2-40B4-BE49-F238E27FC236}">
-                <a16:creationId xmlns:a16="http://schemas.microsoft.com/office/drawing/2014/main" id="{2E6FA61A-010C-4ACE-B0DF-A8658D11FAE6}"/>
+          <a:ln w="19050" cap="flat" cmpd="sng" algn="ctr">
+            <a:solidFill>
+              <a:schemeClr val="accent3"/>
+            </a:solidFill>
+            <a:prstDash val="dash"/>
+            <a:round/>
+            <a:headEnd type="none" w="med" len="med"/>
+            <a:tailEnd type="none" w="med" len="med"/>
+          </a:ln>
+        </p:spPr>
+        <p:style>
+          <a:lnRef idx="0">
+            <a:scrgbClr r="0" g="0" b="0"/>
+          </a:lnRef>
+          <a:fillRef idx="0">
+            <a:scrgbClr r="0" g="0" b="0"/>
+          </a:fillRef>
+          <a:effectRef idx="0">
+            <a:scrgbClr r="0" g="0" b="0"/>
+          </a:effectRef>
+          <a:fontRef idx="minor">
+            <a:schemeClr val="tx1"/>
+          </a:fontRef>
+        </p:style>
+      </p:cxnSp>
+      <p:sp>
+        <p:nvSpPr>
+          <p:cNvPr id="49" name="椭圆 48">
+            <a:extLst>
+              <a:ext uri="{FF2B5EF4-FFF2-40B4-BE49-F238E27FC236}">
+                <a16:creationId xmlns:a16="http://schemas.microsoft.com/office/drawing/2014/main" id="{BF017188-F9B5-47C4-BCE3-36A0DE19CE1C}"/>
               </a:ext>
             </a:extLst>
           </p:cNvPr>
@@ -4445,7 +5021,7 @@
         </p:nvSpPr>
         <p:spPr>
           <a:xfrm>
-            <a:off x="4043683" y="1097422"/>
+            <a:off x="4284983" y="2259498"/>
             <a:ext cx="103124" cy="103124"/>
           </a:xfrm>
           <a:prstGeom prst="ellipse">
@@ -4489,10 +5065,10 @@
       </p:sp>
       <p:sp>
         <p:nvSpPr>
-          <p:cNvPr id="43" name="椭圆 42">
-            <a:extLst>
-              <a:ext uri="{FF2B5EF4-FFF2-40B4-BE49-F238E27FC236}">
-                <a16:creationId xmlns:a16="http://schemas.microsoft.com/office/drawing/2014/main" id="{BE399315-0AF8-42EE-8539-09AC75079214}"/>
+          <p:cNvPr id="50" name="椭圆 49">
+            <a:extLst>
+              <a:ext uri="{FF2B5EF4-FFF2-40B4-BE49-F238E27FC236}">
+                <a16:creationId xmlns:a16="http://schemas.microsoft.com/office/drawing/2014/main" id="{4CA2E2EF-8178-4B0A-86E0-DDE8B64FD6C9}"/>
               </a:ext>
             </a:extLst>
           </p:cNvPr>
@@ -4503,7 +5079,7 @@
         </p:nvSpPr>
         <p:spPr>
           <a:xfrm>
-            <a:off x="4043683" y="1384812"/>
+            <a:off x="4284983" y="2570858"/>
             <a:ext cx="103124" cy="103124"/>
           </a:xfrm>
           <a:prstGeom prst="ellipse">
@@ -4547,10 +5123,10 @@
       </p:sp>
       <p:sp>
         <p:nvSpPr>
-          <p:cNvPr id="45" name="椭圆 44">
-            <a:extLst>
-              <a:ext uri="{FF2B5EF4-FFF2-40B4-BE49-F238E27FC236}">
-                <a16:creationId xmlns:a16="http://schemas.microsoft.com/office/drawing/2014/main" id="{8F22C2A8-F0B7-4586-AF69-405D81577DF3}"/>
+          <p:cNvPr id="52" name="椭圆 51">
+            <a:extLst>
+              <a:ext uri="{FF2B5EF4-FFF2-40B4-BE49-F238E27FC236}">
+                <a16:creationId xmlns:a16="http://schemas.microsoft.com/office/drawing/2014/main" id="{B5E6A27C-B1B6-4BB5-A705-9B4EA1CB0064}"/>
               </a:ext>
             </a:extLst>
           </p:cNvPr>
@@ -4561,7 +5137,7 @@
         </p:nvSpPr>
         <p:spPr>
           <a:xfrm>
-            <a:off x="4043683" y="1696172"/>
+            <a:off x="4284983" y="2885910"/>
             <a:ext cx="103124" cy="103124"/>
           </a:xfrm>
           <a:prstGeom prst="ellipse">
@@ -4603,128 +5179,12 @@
           </a:p>
         </p:txBody>
       </p:sp>
-      <p:sp>
-        <p:nvSpPr>
-          <p:cNvPr id="46" name="椭圆 45">
-            <a:extLst>
-              <a:ext uri="{FF2B5EF4-FFF2-40B4-BE49-F238E27FC236}">
-                <a16:creationId xmlns:a16="http://schemas.microsoft.com/office/drawing/2014/main" id="{DCABCD7B-4EDD-4475-AFA7-40FA01F45B70}"/>
-              </a:ext>
-            </a:extLst>
-          </p:cNvPr>
-          <p:cNvSpPr>
-            <a:spLocks noChangeAspect="1"/>
-          </p:cNvSpPr>
-          <p:nvPr/>
-        </p:nvSpPr>
-        <p:spPr>
-          <a:xfrm>
-            <a:off x="4043683" y="2002515"/>
-            <a:ext cx="103124" cy="103124"/>
-          </a:xfrm>
-          <a:prstGeom prst="ellipse">
-            <a:avLst/>
-          </a:prstGeom>
-          <a:solidFill>
-            <a:srgbClr val="FFC000"/>
-          </a:solidFill>
-          <a:ln w="25400">
-            <a:solidFill>
-              <a:schemeClr val="bg1"/>
-            </a:solidFill>
-          </a:ln>
-        </p:spPr>
-        <p:style>
-          <a:lnRef idx="2">
-            <a:schemeClr val="accent1">
-              <a:shade val="50000"/>
-            </a:schemeClr>
-          </a:lnRef>
-          <a:fillRef idx="1">
-            <a:schemeClr val="accent1"/>
-          </a:fillRef>
-          <a:effectRef idx="0">
-            <a:schemeClr val="accent1"/>
-          </a:effectRef>
-          <a:fontRef idx="minor">
-            <a:schemeClr val="lt1"/>
-          </a:fontRef>
-        </p:style>
-        <p:txBody>
-          <a:bodyPr rtlCol="0" anchor="ctr"/>
-          <a:lstStyle/>
-          <a:p>
-            <a:pPr algn="ctr"/>
-            <a:endParaRPr lang="en-US">
-              <a:cs typeface="+mn-ea"/>
-            </a:endParaRPr>
-          </a:p>
-        </p:txBody>
-      </p:sp>
-      <p:sp>
-        <p:nvSpPr>
-          <p:cNvPr id="47" name="椭圆 46">
-            <a:extLst>
-              <a:ext uri="{FF2B5EF4-FFF2-40B4-BE49-F238E27FC236}">
-                <a16:creationId xmlns:a16="http://schemas.microsoft.com/office/drawing/2014/main" id="{785C7E14-931A-4FF6-B45F-95B858E02D66}"/>
-              </a:ext>
-            </a:extLst>
-          </p:cNvPr>
-          <p:cNvSpPr>
-            <a:spLocks noChangeAspect="1"/>
-          </p:cNvSpPr>
-          <p:nvPr/>
-        </p:nvSpPr>
-        <p:spPr>
-          <a:xfrm>
-            <a:off x="7945512" y="2007143"/>
-            <a:ext cx="99675" cy="99675"/>
-          </a:xfrm>
-          <a:prstGeom prst="ellipse">
-            <a:avLst/>
-          </a:prstGeom>
-          <a:solidFill>
-            <a:srgbClr val="FFC000"/>
-          </a:solidFill>
-          <a:ln w="25400">
-            <a:solidFill>
-              <a:schemeClr val="bg1"/>
-            </a:solidFill>
-          </a:ln>
-        </p:spPr>
-        <p:style>
-          <a:lnRef idx="2">
-            <a:schemeClr val="accent1">
-              <a:shade val="50000"/>
-            </a:schemeClr>
-          </a:lnRef>
-          <a:fillRef idx="1">
-            <a:schemeClr val="accent1"/>
-          </a:fillRef>
-          <a:effectRef idx="0">
-            <a:schemeClr val="accent1"/>
-          </a:effectRef>
-          <a:fontRef idx="minor">
-            <a:schemeClr val="lt1"/>
-          </a:fontRef>
-        </p:style>
-        <p:txBody>
-          <a:bodyPr rtlCol="0" anchor="ctr"/>
-          <a:lstStyle/>
-          <a:p>
-            <a:pPr algn="ctr"/>
-            <a:endParaRPr lang="en-US">
-              <a:cs typeface="+mn-ea"/>
-            </a:endParaRPr>
-          </a:p>
-        </p:txBody>
-      </p:sp>
       <p:cxnSp>
         <p:nvCxnSpPr>
-          <p:cNvPr id="29" name="直接连接符 28">
-            <a:extLst>
-              <a:ext uri="{FF2B5EF4-FFF2-40B4-BE49-F238E27FC236}">
-                <a16:creationId xmlns:a16="http://schemas.microsoft.com/office/drawing/2014/main" id="{D24B117B-E3EB-4D40-B57A-637E2DD565DE}"/>
+          <p:cNvPr id="32" name="直接连接符 31">
+            <a:extLst>
+              <a:ext uri="{FF2B5EF4-FFF2-40B4-BE49-F238E27FC236}">
+                <a16:creationId xmlns:a16="http://schemas.microsoft.com/office/drawing/2014/main" id="{95FC7C4F-CB11-4574-8B6A-BC22CC9FAD82}"/>
               </a:ext>
             </a:extLst>
           </p:cNvPr>
@@ -4735,8 +5195,55 @@
         </p:nvCxnSpPr>
         <p:spPr>
           <a:xfrm>
-            <a:off x="7945512" y="2637332"/>
-            <a:ext cx="1266052" cy="0"/>
+            <a:off x="7772623" y="2056981"/>
+            <a:ext cx="1258760" cy="0"/>
+          </a:xfrm>
+          <a:prstGeom prst="line">
+            <a:avLst/>
+          </a:prstGeom>
+          <a:ln w="19050" cap="flat" cmpd="sng" algn="ctr">
+            <a:solidFill>
+              <a:schemeClr val="accent3"/>
+            </a:solidFill>
+            <a:prstDash val="dash"/>
+            <a:round/>
+            <a:headEnd type="none" w="med" len="med"/>
+            <a:tailEnd type="none" w="med" len="med"/>
+          </a:ln>
+        </p:spPr>
+        <p:style>
+          <a:lnRef idx="0">
+            <a:scrgbClr r="0" g="0" b="0"/>
+          </a:lnRef>
+          <a:fillRef idx="0">
+            <a:scrgbClr r="0" g="0" b="0"/>
+          </a:fillRef>
+          <a:effectRef idx="0">
+            <a:scrgbClr r="0" g="0" b="0"/>
+          </a:effectRef>
+          <a:fontRef idx="minor">
+            <a:schemeClr val="tx1"/>
+          </a:fontRef>
+        </p:style>
+      </p:cxnSp>
+      <p:cxnSp>
+        <p:nvCxnSpPr>
+          <p:cNvPr id="29" name="直接连接符 28">
+            <a:extLst>
+              <a:ext uri="{FF2B5EF4-FFF2-40B4-BE49-F238E27FC236}">
+                <a16:creationId xmlns:a16="http://schemas.microsoft.com/office/drawing/2014/main" id="{D24B117B-E3EB-4D40-B57A-637E2DD565DE}"/>
+              </a:ext>
+            </a:extLst>
+          </p:cNvPr>
+          <p:cNvCxnSpPr>
+            <a:cxnSpLocks/>
+          </p:cNvCxnSpPr>
+          <p:nvPr/>
+        </p:nvCxnSpPr>
+        <p:spPr>
+          <a:xfrm>
+            <a:off x="7772623" y="2637332"/>
+            <a:ext cx="570339" cy="0"/>
           </a:xfrm>
           <a:prstGeom prst="line">
             <a:avLst/>
@@ -4782,244 +5289,8 @@
         </p:nvCxnSpPr>
         <p:spPr>
           <a:xfrm>
-            <a:off x="7945512" y="2346945"/>
-            <a:ext cx="1266052" cy="0"/>
-          </a:xfrm>
-          <a:prstGeom prst="line">
-            <a:avLst/>
-          </a:prstGeom>
-          <a:ln w="19050" cap="flat" cmpd="sng" algn="ctr">
-            <a:solidFill>
-              <a:schemeClr val="accent3"/>
-            </a:solidFill>
-            <a:prstDash val="dash"/>
-            <a:round/>
-            <a:headEnd type="none" w="med" len="med"/>
-            <a:tailEnd type="none" w="med" len="med"/>
-          </a:ln>
-        </p:spPr>
-        <p:style>
-          <a:lnRef idx="0">
-            <a:scrgbClr r="0" g="0" b="0"/>
-          </a:lnRef>
-          <a:fillRef idx="0">
-            <a:scrgbClr r="0" g="0" b="0"/>
-          </a:fillRef>
-          <a:effectRef idx="0">
-            <a:scrgbClr r="0" g="0" b="0"/>
-          </a:effectRef>
-          <a:fontRef idx="minor">
-            <a:schemeClr val="tx1"/>
-          </a:fontRef>
-        </p:style>
-      </p:cxnSp>
-      <p:pic>
-        <p:nvPicPr>
-          <p:cNvPr id="34" name="图片 33">
-            <a:extLst>
-              <a:ext uri="{FF2B5EF4-FFF2-40B4-BE49-F238E27FC236}">
-                <a16:creationId xmlns:a16="http://schemas.microsoft.com/office/drawing/2014/main" id="{D9A44A02-43E7-4FF2-9992-72E6801487B3}"/>
-              </a:ext>
-            </a:extLst>
-          </p:cNvPr>
-          <p:cNvPicPr>
-            <a:picLocks noChangeAspect="1"/>
-          </p:cNvPicPr>
-          <p:nvPr/>
-        </p:nvPicPr>
-        <p:blipFill>
-          <a:blip r:embed="rId9">
-            <a:extLst>
-              <a:ext uri="{28A0092B-C50C-407E-A947-70E740481C1C}">
-                <a14:useLocalDpi xmlns:a14="http://schemas.microsoft.com/office/drawing/2010/main" val="0"/>
-              </a:ext>
-            </a:extLst>
-          </a:blip>
-          <a:stretch>
-            <a:fillRect/>
-          </a:stretch>
-        </p:blipFill>
-        <p:spPr>
-          <a:xfrm>
-            <a:off x="2040715" y="2832498"/>
-            <a:ext cx="472059" cy="472059"/>
-          </a:xfrm>
-          <a:prstGeom prst="rect">
-            <a:avLst/>
-          </a:prstGeom>
-        </p:spPr>
-      </p:pic>
-      <p:pic>
-        <p:nvPicPr>
-          <p:cNvPr id="35" name="图片 34">
-            <a:extLst>
-              <a:ext uri="{FF2B5EF4-FFF2-40B4-BE49-F238E27FC236}">
-                <a16:creationId xmlns:a16="http://schemas.microsoft.com/office/drawing/2014/main" id="{ACA57D86-4D60-4B1C-A5ED-A90A3EFBD072}"/>
-              </a:ext>
-            </a:extLst>
-          </p:cNvPr>
-          <p:cNvPicPr>
-            <a:picLocks noChangeAspect="1"/>
-          </p:cNvPicPr>
-          <p:nvPr/>
-        </p:nvPicPr>
-        <p:blipFill>
-          <a:blip r:embed="rId10">
-            <a:extLst>
-              <a:ext uri="{28A0092B-C50C-407E-A947-70E740481C1C}">
-                <a14:useLocalDpi xmlns:a14="http://schemas.microsoft.com/office/drawing/2010/main" val="0"/>
-              </a:ext>
-            </a:extLst>
-          </a:blip>
-          <a:stretch>
-            <a:fillRect/>
-          </a:stretch>
-        </p:blipFill>
-        <p:spPr>
-          <a:xfrm>
-            <a:off x="2040715" y="3261190"/>
-            <a:ext cx="472059" cy="472059"/>
-          </a:xfrm>
-          <a:prstGeom prst="rect">
-            <a:avLst/>
-          </a:prstGeom>
-        </p:spPr>
-      </p:pic>
-      <p:sp>
-        <p:nvSpPr>
-          <p:cNvPr id="37" name="椭圆 36">
-            <a:extLst>
-              <a:ext uri="{FF2B5EF4-FFF2-40B4-BE49-F238E27FC236}">
-                <a16:creationId xmlns:a16="http://schemas.microsoft.com/office/drawing/2014/main" id="{AD648B94-E808-4620-A143-C9CDCBACCD11}"/>
-              </a:ext>
-            </a:extLst>
-          </p:cNvPr>
-          <p:cNvSpPr>
-            <a:spLocks noChangeAspect="1"/>
-          </p:cNvSpPr>
-          <p:nvPr/>
-        </p:nvSpPr>
-        <p:spPr>
-          <a:xfrm>
-            <a:off x="7945512" y="2297107"/>
-            <a:ext cx="99675" cy="99675"/>
-          </a:xfrm>
-          <a:prstGeom prst="ellipse">
-            <a:avLst/>
-          </a:prstGeom>
-          <a:solidFill>
-            <a:srgbClr val="FFC000"/>
-          </a:solidFill>
-          <a:ln w="25400">
-            <a:solidFill>
-              <a:schemeClr val="bg1"/>
-            </a:solidFill>
-          </a:ln>
-        </p:spPr>
-        <p:style>
-          <a:lnRef idx="2">
-            <a:schemeClr val="accent1">
-              <a:shade val="50000"/>
-            </a:schemeClr>
-          </a:lnRef>
-          <a:fillRef idx="1">
-            <a:schemeClr val="accent1"/>
-          </a:fillRef>
-          <a:effectRef idx="0">
-            <a:schemeClr val="accent1"/>
-          </a:effectRef>
-          <a:fontRef idx="minor">
-            <a:schemeClr val="lt1"/>
-          </a:fontRef>
-        </p:style>
-        <p:txBody>
-          <a:bodyPr rtlCol="0" anchor="ctr"/>
-          <a:lstStyle/>
-          <a:p>
-            <a:pPr algn="ctr"/>
-            <a:endParaRPr lang="en-US">
-              <a:cs typeface="+mn-ea"/>
-            </a:endParaRPr>
-          </a:p>
-        </p:txBody>
-      </p:sp>
-      <p:sp>
-        <p:nvSpPr>
-          <p:cNvPr id="38" name="椭圆 37">
-            <a:extLst>
-              <a:ext uri="{FF2B5EF4-FFF2-40B4-BE49-F238E27FC236}">
-                <a16:creationId xmlns:a16="http://schemas.microsoft.com/office/drawing/2014/main" id="{522C5B35-17A9-4ED9-B1ED-C09B5C30986D}"/>
-              </a:ext>
-            </a:extLst>
-          </p:cNvPr>
-          <p:cNvSpPr>
-            <a:spLocks noChangeAspect="1"/>
-          </p:cNvSpPr>
-          <p:nvPr/>
-        </p:nvSpPr>
-        <p:spPr>
-          <a:xfrm>
-            <a:off x="7945512" y="2587494"/>
-            <a:ext cx="99675" cy="99675"/>
-          </a:xfrm>
-          <a:prstGeom prst="ellipse">
-            <a:avLst/>
-          </a:prstGeom>
-          <a:solidFill>
-            <a:srgbClr val="FFC000"/>
-          </a:solidFill>
-          <a:ln w="25400">
-            <a:solidFill>
-              <a:schemeClr val="bg1"/>
-            </a:solidFill>
-          </a:ln>
-        </p:spPr>
-        <p:style>
-          <a:lnRef idx="2">
-            <a:schemeClr val="accent1">
-              <a:shade val="50000"/>
-            </a:schemeClr>
-          </a:lnRef>
-          <a:fillRef idx="1">
-            <a:schemeClr val="accent1"/>
-          </a:fillRef>
-          <a:effectRef idx="0">
-            <a:schemeClr val="accent1"/>
-          </a:effectRef>
-          <a:fontRef idx="minor">
-            <a:schemeClr val="lt1"/>
-          </a:fontRef>
-        </p:style>
-        <p:txBody>
-          <a:bodyPr rtlCol="0" anchor="ctr"/>
-          <a:lstStyle/>
-          <a:p>
-            <a:pPr algn="ctr"/>
-            <a:endParaRPr lang="en-US">
-              <a:cs typeface="+mn-ea"/>
-            </a:endParaRPr>
-          </a:p>
-        </p:txBody>
-      </p:sp>
-      <p:cxnSp>
-        <p:nvCxnSpPr>
-          <p:cNvPr id="39" name="直接连接符 38">
-            <a:extLst>
-              <a:ext uri="{FF2B5EF4-FFF2-40B4-BE49-F238E27FC236}">
-                <a16:creationId xmlns:a16="http://schemas.microsoft.com/office/drawing/2014/main" id="{29A692AE-BD86-4A14-B492-5770A09BC3DC}"/>
-              </a:ext>
-            </a:extLst>
-          </p:cNvPr>
-          <p:cNvCxnSpPr>
-            <a:cxnSpLocks/>
-            <a:endCxn id="52" idx="2"/>
-          </p:cNvCxnSpPr>
-          <p:nvPr/>
-        </p:nvCxnSpPr>
-        <p:spPr>
-          <a:xfrm flipV="1">
-            <a:off x="3121304" y="2937472"/>
-            <a:ext cx="922379" cy="4586"/>
+            <a:off x="7772623" y="2346945"/>
+            <a:ext cx="570339" cy="0"/>
           </a:xfrm>
           <a:prstGeom prst="line">
             <a:avLst/>
@@ -5051,276 +5322,6 @@
       </p:cxnSp>
       <p:cxnSp>
         <p:nvCxnSpPr>
-          <p:cNvPr id="40" name="直接连接符 39">
-            <a:extLst>
-              <a:ext uri="{FF2B5EF4-FFF2-40B4-BE49-F238E27FC236}">
-                <a16:creationId xmlns:a16="http://schemas.microsoft.com/office/drawing/2014/main" id="{85BC671D-7984-404A-B1D6-DE10B6A49901}"/>
-              </a:ext>
-            </a:extLst>
-          </p:cNvPr>
-          <p:cNvCxnSpPr>
-            <a:cxnSpLocks/>
-            <a:endCxn id="50" idx="2"/>
-          </p:cNvCxnSpPr>
-          <p:nvPr/>
-        </p:nvCxnSpPr>
-        <p:spPr>
-          <a:xfrm flipV="1">
-            <a:off x="3121304" y="2622420"/>
-            <a:ext cx="922379" cy="5356"/>
-          </a:xfrm>
-          <a:prstGeom prst="line">
-            <a:avLst/>
-          </a:prstGeom>
-          <a:ln w="19050" cap="flat" cmpd="sng" algn="ctr">
-            <a:solidFill>
-              <a:schemeClr val="accent3"/>
-            </a:solidFill>
-            <a:prstDash val="dash"/>
-            <a:round/>
-            <a:headEnd type="none" w="med" len="med"/>
-            <a:tailEnd type="none" w="med" len="med"/>
-          </a:ln>
-        </p:spPr>
-        <p:style>
-          <a:lnRef idx="0">
-            <a:scrgbClr r="0" g="0" b="0"/>
-          </a:lnRef>
-          <a:fillRef idx="0">
-            <a:scrgbClr r="0" g="0" b="0"/>
-          </a:fillRef>
-          <a:effectRef idx="0">
-            <a:scrgbClr r="0" g="0" b="0"/>
-          </a:effectRef>
-          <a:fontRef idx="minor">
-            <a:schemeClr val="tx1"/>
-          </a:fontRef>
-        </p:style>
-      </p:cxnSp>
-      <p:cxnSp>
-        <p:nvCxnSpPr>
-          <p:cNvPr id="41" name="直接连接符 40">
-            <a:extLst>
-              <a:ext uri="{FF2B5EF4-FFF2-40B4-BE49-F238E27FC236}">
-                <a16:creationId xmlns:a16="http://schemas.microsoft.com/office/drawing/2014/main" id="{4C57FF8F-8234-41D7-87E8-FB2CD5220D85}"/>
-              </a:ext>
-            </a:extLst>
-          </p:cNvPr>
-          <p:cNvCxnSpPr>
-            <a:cxnSpLocks/>
-            <a:endCxn id="49" idx="2"/>
-          </p:cNvCxnSpPr>
-          <p:nvPr/>
-        </p:nvCxnSpPr>
-        <p:spPr>
-          <a:xfrm flipV="1">
-            <a:off x="3103741" y="2311060"/>
-            <a:ext cx="939942" cy="16044"/>
-          </a:xfrm>
-          <a:prstGeom prst="line">
-            <a:avLst/>
-          </a:prstGeom>
-          <a:ln w="19050" cap="flat" cmpd="sng" algn="ctr">
-            <a:solidFill>
-              <a:schemeClr val="accent3"/>
-            </a:solidFill>
-            <a:prstDash val="dash"/>
-            <a:round/>
-            <a:headEnd type="none" w="med" len="med"/>
-            <a:tailEnd type="none" w="med" len="med"/>
-          </a:ln>
-        </p:spPr>
-        <p:style>
-          <a:lnRef idx="0">
-            <a:scrgbClr r="0" g="0" b="0"/>
-          </a:lnRef>
-          <a:fillRef idx="0">
-            <a:scrgbClr r="0" g="0" b="0"/>
-          </a:fillRef>
-          <a:effectRef idx="0">
-            <a:scrgbClr r="0" g="0" b="0"/>
-          </a:effectRef>
-          <a:fontRef idx="minor">
-            <a:schemeClr val="tx1"/>
-          </a:fontRef>
-        </p:style>
-      </p:cxnSp>
-      <p:sp>
-        <p:nvSpPr>
-          <p:cNvPr id="49" name="椭圆 48">
-            <a:extLst>
-              <a:ext uri="{FF2B5EF4-FFF2-40B4-BE49-F238E27FC236}">
-                <a16:creationId xmlns:a16="http://schemas.microsoft.com/office/drawing/2014/main" id="{BF017188-F9B5-47C4-BCE3-36A0DE19CE1C}"/>
-              </a:ext>
-            </a:extLst>
-          </p:cNvPr>
-          <p:cNvSpPr>
-            <a:spLocks noChangeAspect="1"/>
-          </p:cNvSpPr>
-          <p:nvPr/>
-        </p:nvSpPr>
-        <p:spPr>
-          <a:xfrm>
-            <a:off x="4043683" y="2259498"/>
-            <a:ext cx="103124" cy="103124"/>
-          </a:xfrm>
-          <a:prstGeom prst="ellipse">
-            <a:avLst/>
-          </a:prstGeom>
-          <a:solidFill>
-            <a:srgbClr val="FFC000"/>
-          </a:solidFill>
-          <a:ln w="25400">
-            <a:solidFill>
-              <a:schemeClr val="bg1"/>
-            </a:solidFill>
-          </a:ln>
-        </p:spPr>
-        <p:style>
-          <a:lnRef idx="2">
-            <a:schemeClr val="accent1">
-              <a:shade val="50000"/>
-            </a:schemeClr>
-          </a:lnRef>
-          <a:fillRef idx="1">
-            <a:schemeClr val="accent1"/>
-          </a:fillRef>
-          <a:effectRef idx="0">
-            <a:schemeClr val="accent1"/>
-          </a:effectRef>
-          <a:fontRef idx="minor">
-            <a:schemeClr val="lt1"/>
-          </a:fontRef>
-        </p:style>
-        <p:txBody>
-          <a:bodyPr rtlCol="0" anchor="ctr"/>
-          <a:lstStyle/>
-          <a:p>
-            <a:pPr algn="ctr"/>
-            <a:endParaRPr lang="en-US">
-              <a:cs typeface="+mn-ea"/>
-            </a:endParaRPr>
-          </a:p>
-        </p:txBody>
-      </p:sp>
-      <p:sp>
-        <p:nvSpPr>
-          <p:cNvPr id="50" name="椭圆 49">
-            <a:extLst>
-              <a:ext uri="{FF2B5EF4-FFF2-40B4-BE49-F238E27FC236}">
-                <a16:creationId xmlns:a16="http://schemas.microsoft.com/office/drawing/2014/main" id="{4CA2E2EF-8178-4B0A-86E0-DDE8B64FD6C9}"/>
-              </a:ext>
-            </a:extLst>
-          </p:cNvPr>
-          <p:cNvSpPr>
-            <a:spLocks noChangeAspect="1"/>
-          </p:cNvSpPr>
-          <p:nvPr/>
-        </p:nvSpPr>
-        <p:spPr>
-          <a:xfrm>
-            <a:off x="4043683" y="2570858"/>
-            <a:ext cx="103124" cy="103124"/>
-          </a:xfrm>
-          <a:prstGeom prst="ellipse">
-            <a:avLst/>
-          </a:prstGeom>
-          <a:solidFill>
-            <a:srgbClr val="FFC000"/>
-          </a:solidFill>
-          <a:ln w="25400">
-            <a:solidFill>
-              <a:schemeClr val="bg1"/>
-            </a:solidFill>
-          </a:ln>
-        </p:spPr>
-        <p:style>
-          <a:lnRef idx="2">
-            <a:schemeClr val="accent1">
-              <a:shade val="50000"/>
-            </a:schemeClr>
-          </a:lnRef>
-          <a:fillRef idx="1">
-            <a:schemeClr val="accent1"/>
-          </a:fillRef>
-          <a:effectRef idx="0">
-            <a:schemeClr val="accent1"/>
-          </a:effectRef>
-          <a:fontRef idx="minor">
-            <a:schemeClr val="lt1"/>
-          </a:fontRef>
-        </p:style>
-        <p:txBody>
-          <a:bodyPr rtlCol="0" anchor="ctr"/>
-          <a:lstStyle/>
-          <a:p>
-            <a:pPr algn="ctr"/>
-            <a:endParaRPr lang="en-US">
-              <a:cs typeface="+mn-ea"/>
-            </a:endParaRPr>
-          </a:p>
-        </p:txBody>
-      </p:sp>
-      <p:sp>
-        <p:nvSpPr>
-          <p:cNvPr id="52" name="椭圆 51">
-            <a:extLst>
-              <a:ext uri="{FF2B5EF4-FFF2-40B4-BE49-F238E27FC236}">
-                <a16:creationId xmlns:a16="http://schemas.microsoft.com/office/drawing/2014/main" id="{B5E6A27C-B1B6-4BB5-A705-9B4EA1CB0064}"/>
-              </a:ext>
-            </a:extLst>
-          </p:cNvPr>
-          <p:cNvSpPr>
-            <a:spLocks noChangeAspect="1"/>
-          </p:cNvSpPr>
-          <p:nvPr/>
-        </p:nvSpPr>
-        <p:spPr>
-          <a:xfrm>
-            <a:off x="4043683" y="2885910"/>
-            <a:ext cx="103124" cy="103124"/>
-          </a:xfrm>
-          <a:prstGeom prst="ellipse">
-            <a:avLst/>
-          </a:prstGeom>
-          <a:solidFill>
-            <a:srgbClr val="FFC000"/>
-          </a:solidFill>
-          <a:ln w="25400">
-            <a:solidFill>
-              <a:schemeClr val="bg1"/>
-            </a:solidFill>
-          </a:ln>
-        </p:spPr>
-        <p:style>
-          <a:lnRef idx="2">
-            <a:schemeClr val="accent1">
-              <a:shade val="50000"/>
-            </a:schemeClr>
-          </a:lnRef>
-          <a:fillRef idx="1">
-            <a:schemeClr val="accent1"/>
-          </a:fillRef>
-          <a:effectRef idx="0">
-            <a:schemeClr val="accent1"/>
-          </a:effectRef>
-          <a:fontRef idx="minor">
-            <a:schemeClr val="lt1"/>
-          </a:fontRef>
-        </p:style>
-        <p:txBody>
-          <a:bodyPr rtlCol="0" anchor="ctr"/>
-          <a:lstStyle/>
-          <a:p>
-            <a:pPr algn="ctr"/>
-            <a:endParaRPr lang="en-US">
-              <a:cs typeface="+mn-ea"/>
-            </a:endParaRPr>
-          </a:p>
-        </p:txBody>
-      </p:sp>
-      <p:cxnSp>
-        <p:nvCxnSpPr>
           <p:cNvPr id="57" name="直接连接符 56">
             <a:extLst>
               <a:ext uri="{FF2B5EF4-FFF2-40B4-BE49-F238E27FC236}">
@@ -5335,8 +5336,8 @@
         </p:nvCxnSpPr>
         <p:spPr>
           <a:xfrm>
-            <a:off x="7937113" y="1772532"/>
-            <a:ext cx="1266052" cy="0"/>
+            <a:off x="7768839" y="1772532"/>
+            <a:ext cx="570339" cy="0"/>
           </a:xfrm>
           <a:prstGeom prst="line">
             <a:avLst/>
@@ -5382,8 +5383,8 @@
         </p:nvCxnSpPr>
         <p:spPr>
           <a:xfrm>
-            <a:off x="7937113" y="1482145"/>
-            <a:ext cx="1266052" cy="0"/>
+            <a:off x="7768839" y="1482145"/>
+            <a:ext cx="570339" cy="0"/>
           </a:xfrm>
           <a:prstGeom prst="line">
             <a:avLst/>
@@ -5429,7 +5430,7 @@
         </p:nvSpPr>
         <p:spPr>
           <a:xfrm>
-            <a:off x="7937113" y="1432307"/>
+            <a:off x="7549763" y="1432307"/>
             <a:ext cx="99675" cy="99675"/>
           </a:xfrm>
           <a:prstGeom prst="ellipse">
@@ -5487,7 +5488,7 @@
         </p:nvSpPr>
         <p:spPr>
           <a:xfrm>
-            <a:off x="7937113" y="1722694"/>
+            <a:off x="7549763" y="1722694"/>
             <a:ext cx="99675" cy="99675"/>
           </a:xfrm>
           <a:prstGeom prst="ellipse">
@@ -5545,7 +5546,7 @@
         </p:nvCxnSpPr>
         <p:spPr>
           <a:xfrm flipH="1" flipV="1">
-            <a:off x="2523351" y="811765"/>
+            <a:off x="2764651" y="811765"/>
             <a:ext cx="597953" cy="335480"/>
           </a:xfrm>
           <a:prstGeom prst="line">
@@ -5591,7 +5592,7 @@
         </p:nvCxnSpPr>
         <p:spPr>
           <a:xfrm flipH="1" flipV="1">
-            <a:off x="2476119" y="1105954"/>
+            <a:off x="2717419" y="1105954"/>
             <a:ext cx="591314" cy="331755"/>
           </a:xfrm>
           <a:prstGeom prst="line">
@@ -5637,7 +5638,7 @@
         </p:nvCxnSpPr>
         <p:spPr>
           <a:xfrm flipV="1">
-            <a:off x="2563252" y="2937473"/>
+            <a:off x="2804552" y="2937473"/>
             <a:ext cx="558052" cy="313093"/>
           </a:xfrm>
           <a:prstGeom prst="line">
@@ -5683,7 +5684,7 @@
         </p:nvCxnSpPr>
         <p:spPr>
           <a:xfrm flipV="1">
-            <a:off x="2563252" y="2623086"/>
+            <a:off x="2804552" y="2623086"/>
             <a:ext cx="540489" cy="303240"/>
           </a:xfrm>
           <a:prstGeom prst="line">
@@ -5729,7 +5730,7 @@
         </p:nvCxnSpPr>
         <p:spPr>
           <a:xfrm flipH="1" flipV="1">
-            <a:off x="2503168" y="1412687"/>
+            <a:off x="2744468" y="1412687"/>
             <a:ext cx="591314" cy="331755"/>
           </a:xfrm>
           <a:prstGeom prst="line">
@@ -5775,7 +5776,7 @@
         </p:nvCxnSpPr>
         <p:spPr>
           <a:xfrm flipV="1">
-            <a:off x="2563685" y="2322463"/>
+            <a:off x="2804985" y="2322463"/>
             <a:ext cx="540489" cy="303240"/>
           </a:xfrm>
           <a:prstGeom prst="line">
@@ -5893,7 +5894,7 @@
         </p:nvCxnSpPr>
         <p:spPr>
           <a:xfrm>
-            <a:off x="6375384" y="2895987"/>
+            <a:off x="6248384" y="2895987"/>
             <a:ext cx="0" cy="842065"/>
           </a:xfrm>
           <a:prstGeom prst="line">
@@ -5940,7 +5941,7 @@
         </p:nvSpPr>
         <p:spPr>
           <a:xfrm>
-            <a:off x="6325547" y="2796312"/>
+            <a:off x="6198547" y="2796312"/>
             <a:ext cx="99675" cy="99675"/>
           </a:xfrm>
           <a:prstGeom prst="ellipse">
@@ -5996,7 +5997,7 @@
         </p:nvSpPr>
         <p:spPr>
           <a:xfrm>
-            <a:off x="9847358" y="850354"/>
+            <a:off x="9031383" y="850354"/>
             <a:ext cx="410619" cy="410619"/>
           </a:xfrm>
           <a:prstGeom prst="ellipse">
@@ -6052,7 +6053,7 @@
         </p:nvSpPr>
         <p:spPr>
           <a:xfrm>
-            <a:off x="9847358" y="1297188"/>
+            <a:off x="9031383" y="1297188"/>
             <a:ext cx="410619" cy="410619"/>
           </a:xfrm>
           <a:prstGeom prst="ellipse">
@@ -6107,7 +6108,7 @@
         </p:nvSpPr>
         <p:spPr>
           <a:xfrm>
-            <a:off x="9847358" y="1882874"/>
+            <a:off x="9031383" y="1844774"/>
             <a:ext cx="410619" cy="410619"/>
           </a:xfrm>
           <a:prstGeom prst="ellipse">
@@ -6163,7 +6164,7 @@
         </p:nvSpPr>
         <p:spPr>
           <a:xfrm>
-            <a:off x="9847358" y="2462212"/>
+            <a:off x="9031383" y="2462212"/>
             <a:ext cx="410619" cy="410619"/>
           </a:xfrm>
           <a:prstGeom prst="ellipse">
@@ -6219,7 +6220,7 @@
         </p:nvSpPr>
         <p:spPr>
           <a:xfrm>
-            <a:off x="9847358" y="2894822"/>
+            <a:off x="9031383" y="2894822"/>
             <a:ext cx="410619" cy="410619"/>
           </a:xfrm>
           <a:prstGeom prst="ellipse">
@@ -6277,7 +6278,7 @@
         </p:nvCxnSpPr>
         <p:spPr>
           <a:xfrm flipH="1">
-            <a:off x="9151238" y="1150390"/>
+            <a:off x="8335263" y="1150390"/>
             <a:ext cx="591314" cy="331755"/>
           </a:xfrm>
           <a:prstGeom prst="line">
@@ -6323,7 +6324,7 @@
         </p:nvCxnSpPr>
         <p:spPr>
           <a:xfrm>
-            <a:off x="9229318" y="2667522"/>
+            <a:off x="8413343" y="2667522"/>
             <a:ext cx="540489" cy="303240"/>
           </a:xfrm>
           <a:prstGeom prst="line">
@@ -6369,7 +6370,7 @@
         </p:nvCxnSpPr>
         <p:spPr>
           <a:xfrm flipH="1">
-            <a:off x="9178287" y="1457123"/>
+            <a:off x="8362312" y="1457123"/>
             <a:ext cx="591314" cy="331755"/>
           </a:xfrm>
           <a:prstGeom prst="line">
@@ -6415,7 +6416,7 @@
         </p:nvCxnSpPr>
         <p:spPr>
           <a:xfrm>
-            <a:off x="9229751" y="2366899"/>
+            <a:off x="8413776" y="2366899"/>
             <a:ext cx="540489" cy="303240"/>
           </a:xfrm>
           <a:prstGeom prst="line">
@@ -7014,7 +7015,7 @@
                 <a:ea typeface="Microsoft JhengHei Light" panose="020B0304030504040204" pitchFamily="34" charset="-120"/>
                 <a:cs typeface="Leelawadee UI" panose="020B0502040204020203" pitchFamily="34" charset="-34"/>
               </a:rPr>
-              <a:t>connect to Blue coil</a:t>
+              <a:t>connect D4 to Blue coil</a:t>
             </a:r>
             <a:endParaRPr lang="en-US" sz="1600" dirty="0">
               <a:latin typeface="Leelawadee UI" panose="020B0502040204020203" pitchFamily="34" charset="-34"/>
@@ -7034,7 +7035,7 @@
                 <a:ea typeface="Microsoft JhengHei Light" panose="020B0304030504040204" pitchFamily="34" charset="-120"/>
                 <a:cs typeface="Leelawadee UI" panose="020B0502040204020203" pitchFamily="34" charset="-34"/>
               </a:rPr>
-              <a:t>connect to Pink coil</a:t>
+              <a:t>connect D3 to Pink coil</a:t>
             </a:r>
             <a:endParaRPr lang="en-US" sz="1600" dirty="0">
               <a:latin typeface="Leelawadee UI" panose="020B0502040204020203" pitchFamily="34" charset="-34"/>
@@ -7054,7 +7055,7 @@
                 <a:ea typeface="Microsoft JhengHei Light" panose="020B0304030504040204" pitchFamily="34" charset="-120"/>
                 <a:cs typeface="Leelawadee UI" panose="020B0502040204020203" pitchFamily="34" charset="-34"/>
               </a:rPr>
-              <a:t>connect to Yellow coil</a:t>
+              <a:t>connect D2 to Yellow coil</a:t>
             </a:r>
             <a:endParaRPr lang="en-US" sz="1600" dirty="0">
               <a:latin typeface="Leelawadee UI" panose="020B0502040204020203" pitchFamily="34" charset="-34"/>
@@ -7074,7 +7075,7 @@
                 <a:ea typeface="Microsoft JhengHei Light" panose="020B0304030504040204" pitchFamily="34" charset="-120"/>
                 <a:cs typeface="Leelawadee UI" panose="020B0502040204020203" pitchFamily="34" charset="-34"/>
               </a:rPr>
-              <a:t>connect to Orange coil</a:t>
+              <a:t>connect D1 to Orange coil</a:t>
             </a:r>
           </a:p>
           <a:p>
@@ -7089,7 +7090,7 @@
                 <a:ea typeface="Microsoft JhengHei Light" panose="020B0304030504040204" pitchFamily="34" charset="-120"/>
                 <a:cs typeface="Leelawadee UI" panose="020B0502040204020203" pitchFamily="34" charset="-34"/>
               </a:rPr>
-              <a:t>Connect to Red coil</a:t>
+              <a:t>Connect Power switch pin to Red coil</a:t>
             </a:r>
             <a:endParaRPr lang="en-US" sz="1200" dirty="0">
               <a:solidFill>
@@ -7129,7 +7130,7 @@
         </p:nvSpPr>
         <p:spPr>
           <a:xfrm>
-            <a:off x="6325547" y="3467028"/>
+            <a:off x="6198547" y="3467028"/>
             <a:ext cx="2139817" cy="369332"/>
           </a:xfrm>
           <a:prstGeom prst="rect">
@@ -7160,6 +7161,548 @@
     <p:extLst>
       <p:ext uri="{BB962C8B-B14F-4D97-AF65-F5344CB8AC3E}">
         <p14:creationId xmlns:p14="http://schemas.microsoft.com/office/powerpoint/2010/main" val="2496173998"/>
+      </p:ext>
+    </p:extLst>
+  </p:cSld>
+  <p:clrMapOvr>
+    <a:masterClrMapping/>
+  </p:clrMapOvr>
+</p:sld>
+</file>
+
+<file path=ppt/slides/slide2.xml><?xml version="1.0" encoding="utf-8"?>
+<p:sld xmlns:a="http://schemas.openxmlformats.org/drawingml/2006/main" xmlns:r="http://schemas.openxmlformats.org/officeDocument/2006/relationships" xmlns:p="http://schemas.openxmlformats.org/presentationml/2006/main">
+  <p:cSld>
+    <p:spTree>
+      <p:nvGrpSpPr>
+        <p:cNvPr id="1" name=""/>
+        <p:cNvGrpSpPr/>
+        <p:nvPr/>
+      </p:nvGrpSpPr>
+      <p:grpSpPr>
+        <a:xfrm>
+          <a:off x="0" y="0"/>
+          <a:ext cx="0" cy="0"/>
+          <a:chOff x="0" y="0"/>
+          <a:chExt cx="0" cy="0"/>
+        </a:xfrm>
+      </p:grpSpPr>
+      <p:grpSp>
+        <p:nvGrpSpPr>
+          <p:cNvPr id="3" name="组合 2">
+            <a:extLst>
+              <a:ext uri="{FF2B5EF4-FFF2-40B4-BE49-F238E27FC236}">
+                <a16:creationId xmlns:a16="http://schemas.microsoft.com/office/drawing/2014/main" id="{108A3CCD-7DE7-46BE-961C-83FDE7FE3BC1}"/>
+              </a:ext>
+            </a:extLst>
+          </p:cNvPr>
+          <p:cNvGrpSpPr/>
+          <p:nvPr/>
+        </p:nvGrpSpPr>
+        <p:grpSpPr>
+          <a:xfrm>
+            <a:off x="3399025" y="800978"/>
+            <a:ext cx="5690045" cy="4399986"/>
+            <a:chOff x="3043425" y="927978"/>
+            <a:chExt cx="5690045" cy="4399986"/>
+          </a:xfrm>
+        </p:grpSpPr>
+        <p:grpSp>
+          <p:nvGrpSpPr>
+            <p:cNvPr id="2" name="组合 1">
+              <a:extLst>
+                <a:ext uri="{FF2B5EF4-FFF2-40B4-BE49-F238E27FC236}">
+                  <a16:creationId xmlns:a16="http://schemas.microsoft.com/office/drawing/2014/main" id="{6F5EB3C4-831B-404E-81E8-FAFAD1317C59}"/>
+                </a:ext>
+              </a:extLst>
+            </p:cNvPr>
+            <p:cNvGrpSpPr/>
+            <p:nvPr/>
+          </p:nvGrpSpPr>
+          <p:grpSpPr>
+            <a:xfrm>
+              <a:off x="3043425" y="1530036"/>
+              <a:ext cx="5342254" cy="3797928"/>
+              <a:chOff x="3043425" y="1530036"/>
+              <a:chExt cx="5342254" cy="3797928"/>
+            </a:xfrm>
+          </p:grpSpPr>
+          <p:pic>
+            <p:nvPicPr>
+              <p:cNvPr id="4" name="图片 3">
+                <a:extLst>
+                  <a:ext uri="{FF2B5EF4-FFF2-40B4-BE49-F238E27FC236}">
+                    <a16:creationId xmlns:a16="http://schemas.microsoft.com/office/drawing/2014/main" id="{74DC8CB5-7A4F-4491-A9E2-813D2D833C2E}"/>
+                  </a:ext>
+                </a:extLst>
+              </p:cNvPr>
+              <p:cNvPicPr>
+                <a:picLocks noChangeAspect="1"/>
+              </p:cNvPicPr>
+              <p:nvPr/>
+            </p:nvPicPr>
+            <p:blipFill>
+              <a:blip r:embed="rId2"/>
+              <a:stretch>
+                <a:fillRect/>
+              </a:stretch>
+            </p:blipFill>
+            <p:spPr>
+              <a:xfrm>
+                <a:off x="3043425" y="1530036"/>
+                <a:ext cx="5342254" cy="3531699"/>
+              </a:xfrm>
+              <a:prstGeom prst="rect">
+                <a:avLst/>
+              </a:prstGeom>
+            </p:spPr>
+          </p:pic>
+          <p:sp>
+            <p:nvSpPr>
+              <p:cNvPr id="6" name="文本框 5">
+                <a:extLst>
+                  <a:ext uri="{FF2B5EF4-FFF2-40B4-BE49-F238E27FC236}">
+                    <a16:creationId xmlns:a16="http://schemas.microsoft.com/office/drawing/2014/main" id="{1202FA4F-5E7C-4074-B224-8808F3891DAB}"/>
+                  </a:ext>
+                </a:extLst>
+              </p:cNvPr>
+              <p:cNvSpPr txBox="1"/>
+              <p:nvPr/>
+            </p:nvSpPr>
+            <p:spPr>
+              <a:xfrm>
+                <a:off x="6871628" y="4489672"/>
+                <a:ext cx="801232" cy="430887"/>
+              </a:xfrm>
+              <a:prstGeom prst="rect">
+                <a:avLst/>
+              </a:prstGeom>
+              <a:solidFill>
+                <a:schemeClr val="bg1"/>
+              </a:solidFill>
+            </p:spPr>
+            <p:txBody>
+              <a:bodyPr wrap="square" rtlCol="0">
+                <a:spAutoFit/>
+              </a:bodyPr>
+              <a:lstStyle/>
+              <a:p>
+                <a:endParaRPr lang="en-US" sz="2200"/>
+              </a:p>
+            </p:txBody>
+          </p:sp>
+          <p:sp>
+            <p:nvSpPr>
+              <p:cNvPr id="7" name="文本框 6">
+                <a:extLst>
+                  <a:ext uri="{FF2B5EF4-FFF2-40B4-BE49-F238E27FC236}">
+                    <a16:creationId xmlns:a16="http://schemas.microsoft.com/office/drawing/2014/main" id="{2CAD163A-4D94-4939-AA29-95ACE7476CB2}"/>
+                  </a:ext>
+                </a:extLst>
+              </p:cNvPr>
+              <p:cNvSpPr txBox="1"/>
+              <p:nvPr/>
+            </p:nvSpPr>
+            <p:spPr>
+              <a:xfrm>
+                <a:off x="5448725" y="4489671"/>
+                <a:ext cx="801232" cy="430887"/>
+              </a:xfrm>
+              <a:prstGeom prst="rect">
+                <a:avLst/>
+              </a:prstGeom>
+              <a:solidFill>
+                <a:schemeClr val="bg1"/>
+              </a:solidFill>
+            </p:spPr>
+            <p:txBody>
+              <a:bodyPr wrap="square" rtlCol="0">
+                <a:spAutoFit/>
+              </a:bodyPr>
+              <a:lstStyle/>
+              <a:p>
+                <a:endParaRPr lang="en-US" sz="2200"/>
+              </a:p>
+            </p:txBody>
+          </p:sp>
+          <p:sp>
+            <p:nvSpPr>
+              <p:cNvPr id="8" name="文本框 7">
+                <a:extLst>
+                  <a:ext uri="{FF2B5EF4-FFF2-40B4-BE49-F238E27FC236}">
+                    <a16:creationId xmlns:a16="http://schemas.microsoft.com/office/drawing/2014/main" id="{C5997A32-00E4-436D-B4CD-35D2DD88D7DB}"/>
+                  </a:ext>
+                </a:extLst>
+              </p:cNvPr>
+              <p:cNvSpPr txBox="1"/>
+              <p:nvPr/>
+            </p:nvSpPr>
+            <p:spPr>
+              <a:xfrm>
+                <a:off x="3755679" y="4397629"/>
+                <a:ext cx="801232" cy="430887"/>
+              </a:xfrm>
+              <a:prstGeom prst="rect">
+                <a:avLst/>
+              </a:prstGeom>
+              <a:solidFill>
+                <a:schemeClr val="bg1"/>
+              </a:solidFill>
+            </p:spPr>
+            <p:txBody>
+              <a:bodyPr wrap="square" rtlCol="0">
+                <a:spAutoFit/>
+              </a:bodyPr>
+              <a:lstStyle/>
+              <a:p>
+                <a:endParaRPr lang="en-US" sz="2200"/>
+              </a:p>
+            </p:txBody>
+          </p:sp>
+          <p:sp>
+            <p:nvSpPr>
+              <p:cNvPr id="9" name="文本框 8">
+                <a:extLst>
+                  <a:ext uri="{FF2B5EF4-FFF2-40B4-BE49-F238E27FC236}">
+                    <a16:creationId xmlns:a16="http://schemas.microsoft.com/office/drawing/2014/main" id="{0879C74E-3A4E-4AE2-9D91-250F88B93AE0}"/>
+                  </a:ext>
+                </a:extLst>
+              </p:cNvPr>
+              <p:cNvSpPr txBox="1"/>
+              <p:nvPr/>
+            </p:nvSpPr>
+            <p:spPr>
+              <a:xfrm>
+                <a:off x="4037844" y="1575301"/>
+                <a:ext cx="695583" cy="430887"/>
+              </a:xfrm>
+              <a:prstGeom prst="rect">
+                <a:avLst/>
+              </a:prstGeom>
+              <a:solidFill>
+                <a:schemeClr val="bg1"/>
+              </a:solidFill>
+            </p:spPr>
+            <p:txBody>
+              <a:bodyPr wrap="square" rtlCol="0">
+                <a:spAutoFit/>
+              </a:bodyPr>
+              <a:lstStyle/>
+              <a:p>
+                <a:endParaRPr lang="en-US" sz="2200"/>
+              </a:p>
+            </p:txBody>
+          </p:sp>
+          <p:sp>
+            <p:nvSpPr>
+              <p:cNvPr id="10" name="文本框 9">
+                <a:extLst>
+                  <a:ext uri="{FF2B5EF4-FFF2-40B4-BE49-F238E27FC236}">
+                    <a16:creationId xmlns:a16="http://schemas.microsoft.com/office/drawing/2014/main" id="{8D5B6B67-04F6-4C11-B31E-D51EB054A09C}"/>
+                  </a:ext>
+                </a:extLst>
+              </p:cNvPr>
+              <p:cNvSpPr txBox="1"/>
+              <p:nvPr/>
+            </p:nvSpPr>
+            <p:spPr>
+              <a:xfrm>
+                <a:off x="4037845" y="2964163"/>
+                <a:ext cx="496479" cy="430887"/>
+              </a:xfrm>
+              <a:prstGeom prst="rect">
+                <a:avLst/>
+              </a:prstGeom>
+              <a:solidFill>
+                <a:schemeClr val="bg1"/>
+              </a:solidFill>
+            </p:spPr>
+            <p:txBody>
+              <a:bodyPr wrap="square" rtlCol="0">
+                <a:spAutoFit/>
+              </a:bodyPr>
+              <a:lstStyle/>
+              <a:p>
+                <a:endParaRPr lang="en-US" sz="2200"/>
+              </a:p>
+            </p:txBody>
+          </p:sp>
+          <p:sp>
+            <p:nvSpPr>
+              <p:cNvPr id="11" name="文本框 10">
+                <a:extLst>
+                  <a:ext uri="{FF2B5EF4-FFF2-40B4-BE49-F238E27FC236}">
+                    <a16:creationId xmlns:a16="http://schemas.microsoft.com/office/drawing/2014/main" id="{581512EC-4F2A-41BF-85C3-E90C125F6EDE}"/>
+                  </a:ext>
+                </a:extLst>
+              </p:cNvPr>
+              <p:cNvSpPr txBox="1"/>
+              <p:nvPr/>
+            </p:nvSpPr>
+            <p:spPr>
+              <a:xfrm>
+                <a:off x="3067662" y="1816543"/>
+                <a:ext cx="970182" cy="430887"/>
+              </a:xfrm>
+              <a:prstGeom prst="rect">
+                <a:avLst/>
+              </a:prstGeom>
+              <a:solidFill>
+                <a:schemeClr val="bg1"/>
+              </a:solidFill>
+            </p:spPr>
+            <p:txBody>
+              <a:bodyPr wrap="square" rtlCol="0">
+                <a:spAutoFit/>
+              </a:bodyPr>
+              <a:lstStyle/>
+              <a:p>
+                <a:pPr algn="r"/>
+                <a:r>
+                  <a:rPr lang="en-US" sz="2200">
+                    <a:solidFill>
+                      <a:srgbClr val="3A67B8"/>
+                    </a:solidFill>
+                  </a:rPr>
+                  <a:t>Blue</a:t>
+                </a:r>
+              </a:p>
+            </p:txBody>
+          </p:sp>
+          <p:sp>
+            <p:nvSpPr>
+              <p:cNvPr id="12" name="文本框 11">
+                <a:extLst>
+                  <a:ext uri="{FF2B5EF4-FFF2-40B4-BE49-F238E27FC236}">
+                    <a16:creationId xmlns:a16="http://schemas.microsoft.com/office/drawing/2014/main" id="{282FFA57-1B35-4273-9C32-57E30AC1411D}"/>
+                  </a:ext>
+                </a:extLst>
+              </p:cNvPr>
+              <p:cNvSpPr txBox="1"/>
+              <p:nvPr/>
+            </p:nvSpPr>
+            <p:spPr>
+              <a:xfrm>
+                <a:off x="3076715" y="3204503"/>
+                <a:ext cx="970182" cy="430887"/>
+              </a:xfrm>
+              <a:prstGeom prst="rect">
+                <a:avLst/>
+              </a:prstGeom>
+              <a:solidFill>
+                <a:schemeClr val="bg1"/>
+              </a:solidFill>
+            </p:spPr>
+            <p:txBody>
+              <a:bodyPr wrap="square" rtlCol="0">
+                <a:spAutoFit/>
+              </a:bodyPr>
+              <a:lstStyle/>
+              <a:p>
+                <a:pPr algn="r"/>
+                <a:r>
+                  <a:rPr lang="en-US" sz="2200">
+                    <a:solidFill>
+                      <a:srgbClr val="FFC000"/>
+                    </a:solidFill>
+                  </a:rPr>
+                  <a:t>Y</a:t>
+                </a:r>
+                <a:r>
+                  <a:rPr lang="en-US" altLang="zh-CN" sz="2200">
+                    <a:solidFill>
+                      <a:srgbClr val="FFC000"/>
+                    </a:solidFill>
+                  </a:rPr>
+                  <a:t>ellow </a:t>
+                </a:r>
+                <a:endParaRPr lang="en-US" sz="2200">
+                  <a:solidFill>
+                    <a:srgbClr val="FFC000"/>
+                  </a:solidFill>
+                </a:endParaRPr>
+              </a:p>
+            </p:txBody>
+          </p:sp>
+          <p:sp>
+            <p:nvSpPr>
+              <p:cNvPr id="13" name="文本框 12">
+                <a:extLst>
+                  <a:ext uri="{FF2B5EF4-FFF2-40B4-BE49-F238E27FC236}">
+                    <a16:creationId xmlns:a16="http://schemas.microsoft.com/office/drawing/2014/main" id="{9B118469-F9D2-4739-8514-B4B6A0B73B73}"/>
+                  </a:ext>
+                </a:extLst>
+              </p:cNvPr>
+              <p:cNvSpPr txBox="1"/>
+              <p:nvPr/>
+            </p:nvSpPr>
+            <p:spPr>
+              <a:xfrm>
+                <a:off x="3856872" y="4377019"/>
+                <a:ext cx="970182" cy="430887"/>
+              </a:xfrm>
+              <a:prstGeom prst="rect">
+                <a:avLst/>
+              </a:prstGeom>
+              <a:solidFill>
+                <a:schemeClr val="bg1"/>
+              </a:solidFill>
+            </p:spPr>
+            <p:txBody>
+              <a:bodyPr wrap="square" rtlCol="0">
+                <a:spAutoFit/>
+              </a:bodyPr>
+              <a:lstStyle/>
+              <a:p>
+                <a:pPr algn="r"/>
+                <a:r>
+                  <a:rPr lang="en-US" sz="2200">
+                    <a:solidFill>
+                      <a:srgbClr val="C00000"/>
+                    </a:solidFill>
+                  </a:rPr>
+                  <a:t>Red</a:t>
+                </a:r>
+                <a:r>
+                  <a:rPr lang="en-US" altLang="zh-CN" sz="2200">
+                    <a:solidFill>
+                      <a:srgbClr val="FFC000"/>
+                    </a:solidFill>
+                  </a:rPr>
+                  <a:t> </a:t>
+                </a:r>
+                <a:endParaRPr lang="en-US" sz="2200">
+                  <a:solidFill>
+                    <a:srgbClr val="FFC000"/>
+                  </a:solidFill>
+                </a:endParaRPr>
+              </a:p>
+            </p:txBody>
+          </p:sp>
+          <p:sp>
+            <p:nvSpPr>
+              <p:cNvPr id="14" name="文本框 13">
+                <a:extLst>
+                  <a:ext uri="{FF2B5EF4-FFF2-40B4-BE49-F238E27FC236}">
+                    <a16:creationId xmlns:a16="http://schemas.microsoft.com/office/drawing/2014/main" id="{B1DCB4EA-F0F7-426E-85EC-3EA5E9E1F3F1}"/>
+                  </a:ext>
+                </a:extLst>
+              </p:cNvPr>
+              <p:cNvSpPr txBox="1"/>
+              <p:nvPr/>
+            </p:nvSpPr>
+            <p:spPr>
+              <a:xfrm>
+                <a:off x="4847808" y="4897077"/>
+                <a:ext cx="1063809" cy="430887"/>
+              </a:xfrm>
+              <a:prstGeom prst="rect">
+                <a:avLst/>
+              </a:prstGeom>
+              <a:solidFill>
+                <a:schemeClr val="bg1"/>
+              </a:solidFill>
+            </p:spPr>
+            <p:txBody>
+              <a:bodyPr wrap="square" rtlCol="0">
+                <a:spAutoFit/>
+              </a:bodyPr>
+              <a:lstStyle/>
+              <a:p>
+                <a:pPr algn="r"/>
+                <a:r>
+                  <a:rPr lang="en-US" sz="2200">
+                    <a:solidFill>
+                      <a:srgbClr val="E66914"/>
+                    </a:solidFill>
+                  </a:rPr>
+                  <a:t>Orange</a:t>
+                </a:r>
+              </a:p>
+            </p:txBody>
+          </p:sp>
+          <p:sp>
+            <p:nvSpPr>
+              <p:cNvPr id="15" name="文本框 14">
+                <a:extLst>
+                  <a:ext uri="{FF2B5EF4-FFF2-40B4-BE49-F238E27FC236}">
+                    <a16:creationId xmlns:a16="http://schemas.microsoft.com/office/drawing/2014/main" id="{6144EDC4-1518-4993-86EE-3348E99B6566}"/>
+                  </a:ext>
+                </a:extLst>
+              </p:cNvPr>
+              <p:cNvSpPr txBox="1"/>
+              <p:nvPr/>
+            </p:nvSpPr>
+            <p:spPr>
+              <a:xfrm>
+                <a:off x="6158809" y="4897076"/>
+                <a:ext cx="1063809" cy="430887"/>
+              </a:xfrm>
+              <a:prstGeom prst="rect">
+                <a:avLst/>
+              </a:prstGeom>
+              <a:solidFill>
+                <a:schemeClr val="bg1"/>
+              </a:solidFill>
+            </p:spPr>
+            <p:txBody>
+              <a:bodyPr wrap="square" rtlCol="0">
+                <a:spAutoFit/>
+              </a:bodyPr>
+              <a:lstStyle/>
+              <a:p>
+                <a:pPr algn="r"/>
+                <a:r>
+                  <a:rPr lang="en-US" sz="2200">
+                    <a:solidFill>
+                      <a:srgbClr val="E629F5"/>
+                    </a:solidFill>
+                  </a:rPr>
+                  <a:t>Pink</a:t>
+                </a:r>
+              </a:p>
+            </p:txBody>
+          </p:sp>
+        </p:grpSp>
+        <p:sp>
+          <p:nvSpPr>
+            <p:cNvPr id="5" name="文本框 4">
+              <a:extLst>
+                <a:ext uri="{FF2B5EF4-FFF2-40B4-BE49-F238E27FC236}">
+                  <a16:creationId xmlns:a16="http://schemas.microsoft.com/office/drawing/2014/main" id="{0B19E8CA-94C0-4C88-B36C-922521E4D2E7}"/>
+                </a:ext>
+              </a:extLst>
+            </p:cNvPr>
+            <p:cNvSpPr txBox="1"/>
+            <p:nvPr/>
+          </p:nvSpPr>
+          <p:spPr>
+            <a:xfrm>
+              <a:off x="7131007" y="927978"/>
+              <a:ext cx="1602463" cy="1294646"/>
+            </a:xfrm>
+            <a:prstGeom prst="rect">
+              <a:avLst/>
+            </a:prstGeom>
+            <a:solidFill>
+              <a:schemeClr val="bg1"/>
+            </a:solidFill>
+          </p:spPr>
+          <p:txBody>
+            <a:bodyPr wrap="square" rtlCol="0">
+              <a:spAutoFit/>
+            </a:bodyPr>
+            <a:lstStyle/>
+            <a:p>
+              <a:endParaRPr lang="en-US"/>
+            </a:p>
+          </p:txBody>
+        </p:sp>
+      </p:grpSp>
+    </p:spTree>
+    <p:extLst>
+      <p:ext uri="{BB962C8B-B14F-4D97-AF65-F5344CB8AC3E}">
+        <p14:creationId xmlns:p14="http://schemas.microsoft.com/office/powerpoint/2010/main" val="3423106608"/>
       </p:ext>
     </p:extLst>
   </p:cSld>

--- a/img/pin_map_1.pptx
+++ b/img/pin_map_1.pptx
@@ -3824,7 +3824,7 @@
         </p:blipFill>
         <p:spPr>
           <a:xfrm>
-            <a:off x="2705991" y="-396071"/>
+            <a:off x="2921891" y="-396071"/>
             <a:ext cx="6656832" cy="4992624"/>
           </a:xfrm>
           <a:prstGeom prst="rect">
@@ -3860,7 +3860,7 @@
         </p:blipFill>
         <p:spPr>
           <a:xfrm>
-            <a:off x="2282015" y="1186596"/>
+            <a:off x="2497915" y="1186596"/>
             <a:ext cx="476250" cy="476250"/>
           </a:xfrm>
           <a:prstGeom prst="rect">
@@ -3896,7 +3896,7 @@
         </p:blipFill>
         <p:spPr>
           <a:xfrm>
-            <a:off x="2282015" y="1804298"/>
+            <a:off x="2497915" y="1804298"/>
             <a:ext cx="476250" cy="476250"/>
           </a:xfrm>
           <a:prstGeom prst="rect">
@@ -3932,7 +3932,7 @@
         </p:blipFill>
         <p:spPr>
           <a:xfrm>
-            <a:off x="2282015" y="315599"/>
+            <a:off x="2497915" y="315599"/>
             <a:ext cx="476250" cy="476250"/>
           </a:xfrm>
           <a:prstGeom prst="rect">
@@ -3968,7 +3968,7 @@
         </p:blipFill>
         <p:spPr>
           <a:xfrm>
-            <a:off x="2282015" y="749247"/>
+            <a:off x="2497915" y="749247"/>
             <a:ext cx="476250" cy="476250"/>
           </a:xfrm>
           <a:prstGeom prst="rect">
@@ -4148,7 +4148,7 @@
         </p:blipFill>
         <p:spPr>
           <a:xfrm>
-            <a:off x="2282015" y="2390204"/>
+            <a:off x="2497915" y="2390204"/>
             <a:ext cx="476250" cy="476250"/>
           </a:xfrm>
           <a:prstGeom prst="rect">
@@ -4208,7 +4208,7 @@
         </p:nvSpPr>
         <p:spPr>
           <a:xfrm>
-            <a:off x="4284983" y="1097422"/>
+            <a:off x="4500883" y="1097422"/>
             <a:ext cx="103124" cy="103124"/>
           </a:xfrm>
           <a:prstGeom prst="ellipse">
@@ -4266,7 +4266,7 @@
         </p:nvSpPr>
         <p:spPr>
           <a:xfrm>
-            <a:off x="4284983" y="1384812"/>
+            <a:off x="4500883" y="1384812"/>
             <a:ext cx="103124" cy="103124"/>
           </a:xfrm>
           <a:prstGeom prst="ellipse">
@@ -4324,7 +4324,7 @@
         </p:nvSpPr>
         <p:spPr>
           <a:xfrm>
-            <a:off x="4284983" y="1696172"/>
+            <a:off x="4500883" y="1696172"/>
             <a:ext cx="103124" cy="103124"/>
           </a:xfrm>
           <a:prstGeom prst="ellipse">
@@ -4382,7 +4382,7 @@
         </p:nvSpPr>
         <p:spPr>
           <a:xfrm>
-            <a:off x="4284983" y="2002515"/>
+            <a:off x="4500883" y="2002515"/>
             <a:ext cx="103124" cy="103124"/>
           </a:xfrm>
           <a:prstGeom prst="ellipse">
@@ -4440,7 +4440,7 @@
         </p:nvSpPr>
         <p:spPr>
           <a:xfrm>
-            <a:off x="7558162" y="2007143"/>
+            <a:off x="7774062" y="2007143"/>
             <a:ext cx="99675" cy="99675"/>
           </a:xfrm>
           <a:prstGeom prst="ellipse">
@@ -4510,7 +4510,7 @@
         </p:blipFill>
         <p:spPr>
           <a:xfrm>
-            <a:off x="2282015" y="2832498"/>
+            <a:off x="2497915" y="2832498"/>
             <a:ext cx="472059" cy="472059"/>
           </a:xfrm>
           <a:prstGeom prst="rect">
@@ -4546,7 +4546,7 @@
         </p:blipFill>
         <p:spPr>
           <a:xfrm>
-            <a:off x="2282015" y="3261190"/>
+            <a:off x="2497915" y="3261190"/>
             <a:ext cx="472059" cy="472059"/>
           </a:xfrm>
           <a:prstGeom prst="rect">
@@ -4570,7 +4570,7 @@
         </p:nvSpPr>
         <p:spPr>
           <a:xfrm>
-            <a:off x="7558162" y="2297107"/>
+            <a:off x="7774062" y="2297107"/>
             <a:ext cx="99675" cy="99675"/>
           </a:xfrm>
           <a:prstGeom prst="ellipse">
@@ -4628,7 +4628,7 @@
         </p:nvSpPr>
         <p:spPr>
           <a:xfrm>
-            <a:off x="7558162" y="2587494"/>
+            <a:off x="7774062" y="2587494"/>
             <a:ext cx="99675" cy="99675"/>
           </a:xfrm>
           <a:prstGeom prst="ellipse">
@@ -4686,7 +4686,7 @@
         </p:nvCxnSpPr>
         <p:spPr>
           <a:xfrm>
-            <a:off x="3341106" y="1137720"/>
+            <a:off x="3557006" y="1137720"/>
             <a:ext cx="639441" cy="0"/>
           </a:xfrm>
           <a:prstGeom prst="line">
@@ -4734,7 +4734,7 @@
         </p:nvCxnSpPr>
         <p:spPr>
           <a:xfrm>
-            <a:off x="2829177" y="2044552"/>
+            <a:off x="3045077" y="2044552"/>
             <a:ext cx="1455806" cy="9525"/>
           </a:xfrm>
           <a:prstGeom prst="line">
@@ -4782,7 +4782,7 @@
         </p:nvCxnSpPr>
         <p:spPr>
           <a:xfrm flipV="1">
-            <a:off x="3367032" y="1738209"/>
+            <a:off x="3582932" y="1738209"/>
             <a:ext cx="651618" cy="5356"/>
           </a:xfrm>
           <a:prstGeom prst="line">
@@ -4830,7 +4830,7 @@
         </p:nvCxnSpPr>
         <p:spPr>
           <a:xfrm flipV="1">
-            <a:off x="3379209" y="1426849"/>
+            <a:off x="3595109" y="1426849"/>
             <a:ext cx="639442" cy="16044"/>
           </a:xfrm>
           <a:prstGeom prst="line">
@@ -4878,7 +4878,7 @@
         </p:nvCxnSpPr>
         <p:spPr>
           <a:xfrm flipV="1">
-            <a:off x="3379208" y="2927947"/>
+            <a:off x="3595108" y="2927947"/>
             <a:ext cx="639442" cy="4586"/>
           </a:xfrm>
           <a:prstGeom prst="line">
@@ -4926,7 +4926,7 @@
         </p:nvCxnSpPr>
         <p:spPr>
           <a:xfrm flipV="1">
-            <a:off x="3379208" y="2612895"/>
+            <a:off x="3595108" y="2612895"/>
             <a:ext cx="639442" cy="5356"/>
           </a:xfrm>
           <a:prstGeom prst="line">
@@ -4974,7 +4974,7 @@
         </p:nvCxnSpPr>
         <p:spPr>
           <a:xfrm flipV="1">
-            <a:off x="3367033" y="2301535"/>
+            <a:off x="3582933" y="2301535"/>
             <a:ext cx="651615" cy="16044"/>
           </a:xfrm>
           <a:prstGeom prst="line">
@@ -5021,7 +5021,7 @@
         </p:nvSpPr>
         <p:spPr>
           <a:xfrm>
-            <a:off x="4284983" y="2259498"/>
+            <a:off x="4500883" y="2259498"/>
             <a:ext cx="103124" cy="103124"/>
           </a:xfrm>
           <a:prstGeom prst="ellipse">
@@ -5079,7 +5079,7 @@
         </p:nvSpPr>
         <p:spPr>
           <a:xfrm>
-            <a:off x="4284983" y="2570858"/>
+            <a:off x="4500883" y="2570858"/>
             <a:ext cx="103124" cy="103124"/>
           </a:xfrm>
           <a:prstGeom prst="ellipse">
@@ -5137,7 +5137,7 @@
         </p:nvSpPr>
         <p:spPr>
           <a:xfrm>
-            <a:off x="4284983" y="2885910"/>
+            <a:off x="4500883" y="2885910"/>
             <a:ext cx="103124" cy="103124"/>
           </a:xfrm>
           <a:prstGeom prst="ellipse">
@@ -5195,7 +5195,7 @@
         </p:nvCxnSpPr>
         <p:spPr>
           <a:xfrm>
-            <a:off x="7772623" y="2056981"/>
+            <a:off x="7988523" y="2056981"/>
             <a:ext cx="1258760" cy="0"/>
           </a:xfrm>
           <a:prstGeom prst="line">
@@ -5242,7 +5242,7 @@
         </p:nvCxnSpPr>
         <p:spPr>
           <a:xfrm>
-            <a:off x="7772623" y="2637332"/>
+            <a:off x="7988523" y="2637332"/>
             <a:ext cx="570339" cy="0"/>
           </a:xfrm>
           <a:prstGeom prst="line">
@@ -5289,7 +5289,7 @@
         </p:nvCxnSpPr>
         <p:spPr>
           <a:xfrm>
-            <a:off x="7772623" y="2346945"/>
+            <a:off x="7988523" y="2346945"/>
             <a:ext cx="570339" cy="0"/>
           </a:xfrm>
           <a:prstGeom prst="line">
@@ -5336,7 +5336,7 @@
         </p:nvCxnSpPr>
         <p:spPr>
           <a:xfrm>
-            <a:off x="7768839" y="1772532"/>
+            <a:off x="7984739" y="1772532"/>
             <a:ext cx="570339" cy="0"/>
           </a:xfrm>
           <a:prstGeom prst="line">
@@ -5383,7 +5383,7 @@
         </p:nvCxnSpPr>
         <p:spPr>
           <a:xfrm>
-            <a:off x="7768839" y="1482145"/>
+            <a:off x="7984739" y="1482145"/>
             <a:ext cx="570339" cy="0"/>
           </a:xfrm>
           <a:prstGeom prst="line">
@@ -5430,7 +5430,7 @@
         </p:nvSpPr>
         <p:spPr>
           <a:xfrm>
-            <a:off x="7549763" y="1432307"/>
+            <a:off x="7765663" y="1432307"/>
             <a:ext cx="99675" cy="99675"/>
           </a:xfrm>
           <a:prstGeom prst="ellipse">
@@ -5488,7 +5488,7 @@
         </p:nvSpPr>
         <p:spPr>
           <a:xfrm>
-            <a:off x="7549763" y="1722694"/>
+            <a:off x="7765663" y="1722694"/>
             <a:ext cx="99675" cy="99675"/>
           </a:xfrm>
           <a:prstGeom prst="ellipse">
@@ -5546,7 +5546,7 @@
         </p:nvCxnSpPr>
         <p:spPr>
           <a:xfrm flipH="1" flipV="1">
-            <a:off x="2764651" y="811765"/>
+            <a:off x="2980551" y="811765"/>
             <a:ext cx="597953" cy="335480"/>
           </a:xfrm>
           <a:prstGeom prst="line">
@@ -5592,7 +5592,7 @@
         </p:nvCxnSpPr>
         <p:spPr>
           <a:xfrm flipH="1" flipV="1">
-            <a:off x="2717419" y="1105954"/>
+            <a:off x="2933319" y="1105954"/>
             <a:ext cx="591314" cy="331755"/>
           </a:xfrm>
           <a:prstGeom prst="line">
@@ -5638,7 +5638,7 @@
         </p:nvCxnSpPr>
         <p:spPr>
           <a:xfrm flipV="1">
-            <a:off x="2804552" y="2937473"/>
+            <a:off x="3020452" y="2937473"/>
             <a:ext cx="558052" cy="313093"/>
           </a:xfrm>
           <a:prstGeom prst="line">
@@ -5684,7 +5684,7 @@
         </p:nvCxnSpPr>
         <p:spPr>
           <a:xfrm flipV="1">
-            <a:off x="2804552" y="2623086"/>
+            <a:off x="3020452" y="2623086"/>
             <a:ext cx="540489" cy="303240"/>
           </a:xfrm>
           <a:prstGeom prst="line">
@@ -5730,7 +5730,7 @@
         </p:nvCxnSpPr>
         <p:spPr>
           <a:xfrm flipH="1" flipV="1">
-            <a:off x="2744468" y="1412687"/>
+            <a:off x="2960368" y="1412687"/>
             <a:ext cx="591314" cy="331755"/>
           </a:xfrm>
           <a:prstGeom prst="line">
@@ -5776,7 +5776,7 @@
         </p:nvCxnSpPr>
         <p:spPr>
           <a:xfrm flipV="1">
-            <a:off x="2804985" y="2322463"/>
+            <a:off x="3020885" y="2322463"/>
             <a:ext cx="540489" cy="303240"/>
           </a:xfrm>
           <a:prstGeom prst="line">
@@ -5894,7 +5894,7 @@
         </p:nvCxnSpPr>
         <p:spPr>
           <a:xfrm>
-            <a:off x="6248384" y="2895987"/>
+            <a:off x="6464284" y="2895987"/>
             <a:ext cx="0" cy="842065"/>
           </a:xfrm>
           <a:prstGeom prst="line">
@@ -5941,7 +5941,7 @@
         </p:nvSpPr>
         <p:spPr>
           <a:xfrm>
-            <a:off x="6198547" y="2796312"/>
+            <a:off x="6414447" y="2796312"/>
             <a:ext cx="99675" cy="99675"/>
           </a:xfrm>
           <a:prstGeom prst="ellipse">
@@ -5997,7 +5997,7 @@
         </p:nvSpPr>
         <p:spPr>
           <a:xfrm>
-            <a:off x="9031383" y="850354"/>
+            <a:off x="9247283" y="850354"/>
             <a:ext cx="410619" cy="410619"/>
           </a:xfrm>
           <a:prstGeom prst="ellipse">
@@ -6053,7 +6053,7 @@
         </p:nvSpPr>
         <p:spPr>
           <a:xfrm>
-            <a:off x="9031383" y="1297188"/>
+            <a:off x="9247283" y="1297188"/>
             <a:ext cx="410619" cy="410619"/>
           </a:xfrm>
           <a:prstGeom prst="ellipse">
@@ -6108,7 +6108,7 @@
         </p:nvSpPr>
         <p:spPr>
           <a:xfrm>
-            <a:off x="9031383" y="1844774"/>
+            <a:off x="9247283" y="1844774"/>
             <a:ext cx="410619" cy="410619"/>
           </a:xfrm>
           <a:prstGeom prst="ellipse">
@@ -6164,7 +6164,7 @@
         </p:nvSpPr>
         <p:spPr>
           <a:xfrm>
-            <a:off x="9031383" y="2462212"/>
+            <a:off x="9247283" y="2462212"/>
             <a:ext cx="410619" cy="410619"/>
           </a:xfrm>
           <a:prstGeom prst="ellipse">
@@ -6220,7 +6220,7 @@
         </p:nvSpPr>
         <p:spPr>
           <a:xfrm>
-            <a:off x="9031383" y="2894822"/>
+            <a:off x="9247283" y="2894822"/>
             <a:ext cx="410619" cy="410619"/>
           </a:xfrm>
           <a:prstGeom prst="ellipse">
@@ -6278,7 +6278,7 @@
         </p:nvCxnSpPr>
         <p:spPr>
           <a:xfrm flipH="1">
-            <a:off x="8335263" y="1150390"/>
+            <a:off x="8551163" y="1150390"/>
             <a:ext cx="591314" cy="331755"/>
           </a:xfrm>
           <a:prstGeom prst="line">
@@ -6324,7 +6324,7 @@
         </p:nvCxnSpPr>
         <p:spPr>
           <a:xfrm>
-            <a:off x="8413343" y="2667522"/>
+            <a:off x="8629243" y="2667522"/>
             <a:ext cx="540489" cy="303240"/>
           </a:xfrm>
           <a:prstGeom prst="line">
@@ -6370,7 +6370,7 @@
         </p:nvCxnSpPr>
         <p:spPr>
           <a:xfrm flipH="1">
-            <a:off x="8362312" y="1457123"/>
+            <a:off x="8578212" y="1457123"/>
             <a:ext cx="591314" cy="331755"/>
           </a:xfrm>
           <a:prstGeom prst="line">
@@ -6416,7 +6416,7 @@
         </p:nvCxnSpPr>
         <p:spPr>
           <a:xfrm>
-            <a:off x="8413776" y="2366899"/>
+            <a:off x="8629676" y="2366899"/>
             <a:ext cx="540489" cy="303240"/>
           </a:xfrm>
           <a:prstGeom prst="line">
@@ -6764,7 +6764,7 @@
                 <a:ea typeface="Microsoft JhengHei Light" panose="020B0304030504040204" pitchFamily="34" charset="-120"/>
                 <a:cs typeface="Leelawadee UI" panose="020B0502040204020203" pitchFamily="34" charset="-34"/>
               </a:rPr>
-              <a:t>INT1: </a:t>
+              <a:t>IN1: </a:t>
             </a:r>
             <a:r>
               <a:rPr lang="en-US" altLang="zh-CN" sz="1600">
@@ -6772,7 +6772,7 @@
                 <a:ea typeface="Microsoft JhengHei Light" panose="020B0304030504040204" pitchFamily="34" charset="-120"/>
                 <a:cs typeface="Leelawadee UI" panose="020B0502040204020203" pitchFamily="34" charset="-34"/>
               </a:rPr>
-              <a:t>connect to phrase 1</a:t>
+              <a:t>input 1 connect to phrase 1</a:t>
             </a:r>
             <a:endParaRPr lang="en-US" sz="1600" dirty="0">
               <a:latin typeface="Leelawadee UI" panose="020B0502040204020203" pitchFamily="34" charset="-34"/>
@@ -6792,7 +6792,7 @@
                 <a:ea typeface="Microsoft JhengHei Light" panose="020B0304030504040204" pitchFamily="34" charset="-120"/>
                 <a:cs typeface="Leelawadee UI" panose="020B0502040204020203" pitchFamily="34" charset="-34"/>
               </a:rPr>
-              <a:t>INT2: </a:t>
+              <a:t>IN2: input 2 </a:t>
             </a:r>
             <a:r>
               <a:rPr lang="en-US" altLang="zh-CN" sz="1600">
@@ -6820,7 +6820,7 @@
                 <a:ea typeface="Microsoft JhengHei Light" panose="020B0304030504040204" pitchFamily="34" charset="-120"/>
                 <a:cs typeface="Leelawadee UI" panose="020B0502040204020203" pitchFamily="34" charset="-34"/>
               </a:rPr>
-              <a:t>INT3: </a:t>
+              <a:t>IN3: input 3 </a:t>
             </a:r>
             <a:r>
               <a:rPr lang="en-US" altLang="zh-CN" sz="1600">
@@ -6848,7 +6848,7 @@
                 <a:ea typeface="Microsoft JhengHei Light" panose="020B0304030504040204" pitchFamily="34" charset="-120"/>
                 <a:cs typeface="Leelawadee UI" panose="020B0502040204020203" pitchFamily="34" charset="-34"/>
               </a:rPr>
-              <a:t>INT4: </a:t>
+              <a:t>IN4: input 4 </a:t>
             </a:r>
             <a:r>
               <a:rPr lang="en-US" altLang="zh-CN" sz="1600">
@@ -7130,7 +7130,7 @@
         </p:nvSpPr>
         <p:spPr>
           <a:xfrm>
-            <a:off x="6198547" y="3467028"/>
+            <a:off x="6414447" y="3467028"/>
             <a:ext cx="2139817" cy="369332"/>
           </a:xfrm>
           <a:prstGeom prst="rect">
